--- a/ppt/毕设 .pptx
+++ b/ppt/毕设 .pptx
@@ -1,6 +1,6 @@
 
 <file path=ppt/presentation.xml><?xml version="1.0" encoding="utf-8"?>
-<p:presentation xmlns:a="http://schemas.openxmlformats.org/drawingml/2006/main" xmlns:r="http://schemas.openxmlformats.org/officeDocument/2006/relationships" xmlns:p="http://schemas.openxmlformats.org/presentationml/2006/main">
+<p:presentation xmlns:a="http://schemas.openxmlformats.org/drawingml/2006/main" xmlns:r="http://schemas.openxmlformats.org/officeDocument/2006/relationships" xmlns:p="http://schemas.openxmlformats.org/presentationml/2006/main" embedTrueTypeFonts="1">
   <p:sldMasterIdLst>
     <p:sldMasterId id="2147483648" r:id="rId1"/>
   </p:sldMasterIdLst>
@@ -9,16 +9,22 @@
   </p:notesMasterIdLst>
   <p:sldIdLst>
     <p:sldId id="420" r:id="rId3"/>
-    <p:sldId id="422" r:id="rId5"/>
-    <p:sldId id="445" r:id="rId6"/>
-    <p:sldId id="440" r:id="rId7"/>
-    <p:sldId id="446" r:id="rId8"/>
+    <p:sldId id="445" r:id="rId5"/>
+    <p:sldId id="451" r:id="rId6"/>
+    <p:sldId id="452" r:id="rId7"/>
+    <p:sldId id="440" r:id="rId8"/>
     <p:sldId id="439" r:id="rId9"/>
-    <p:sldId id="441" r:id="rId10"/>
+    <p:sldId id="453" r:id="rId10"/>
     <p:sldId id="414" r:id="rId11"/>
   </p:sldIdLst>
   <p:sldSz cx="12192000" cy="6858000"/>
   <p:notesSz cx="6858000" cy="9144000"/>
+  <p:embeddedFontLst>
+    <p:embeddedFont>
+      <p:font typeface="DejaVu Math TeX Gyre" panose="02000503000000000000" charset="0"/>
+      <p:regular r:id="rId15"/>
+    </p:embeddedFont>
+  </p:embeddedFontLst>
   <p:defaultTextStyle>
     <a:defPPr>
       <a:defRPr lang="zh-CN"/>
@@ -43541,8 +43547,8 @@
         </p:nvSpPr>
         <p:spPr>
           <a:xfrm>
-            <a:off x="4893309" y="2977833"/>
-            <a:ext cx="4914265" cy="835660"/>
+            <a:off x="4575810" y="2916555"/>
+            <a:ext cx="6209665" cy="944245"/>
           </a:xfrm>
           <a:prstGeom prst="rect">
             <a:avLst/>
@@ -43550,7 +43556,7 @@
         </p:spPr>
         <p:txBody>
           <a:bodyPr vert="horz" lIns="90170" tIns="46990" rIns="90170" bIns="46990" rtlCol="0" anchor="ctr" anchorCtr="0">
-            <a:normAutofit/>
+            <a:normAutofit fontScale="90000"/>
           </a:bodyPr>
           <a:lstStyle>
             <a:lvl1pPr algn="l" defTabSz="914400" rtl="0" eaLnBrk="1" fontAlgn="auto" latinLnBrk="0" hangingPunct="1">
@@ -43579,18 +43585,14 @@
             <a:pPr algn="l"/>
             <a:r>
               <a:rPr lang="zh-CN" altLang="en-US" sz="3200" dirty="0">
-                <a:ea typeface="微软雅黑" panose="020B0503020204020204" pitchFamily="34" charset="-122"/>
+                <a:latin typeface="楷体" charset="0"/>
+                <a:ea typeface="楷体" charset="0"/>
               </a:rPr>
-              <a:t>毕业设计进展</a:t>
-            </a:r>
-            <a:r>
-              <a:rPr lang="zh-CN" altLang="en-US" sz="3200" dirty="0">
-                <a:ea typeface="微软雅黑" panose="020B0503020204020204" pitchFamily="34" charset="-122"/>
-              </a:rPr>
-              <a:t>汇报</a:t>
+              <a:t>随机网络中的最短路径算法优化</a:t>
             </a:r>
             <a:endParaRPr lang="zh-CN" altLang="en-US" sz="3200" dirty="0">
-              <a:ea typeface="微软雅黑" panose="020B0503020204020204" pitchFamily="34" charset="-122"/>
+              <a:latin typeface="楷体" charset="0"/>
+              <a:ea typeface="楷体" charset="0"/>
             </a:endParaRPr>
           </a:p>
         </p:txBody>
@@ -43662,7 +43664,7 @@
         </p:nvSpPr>
         <p:spPr>
           <a:xfrm>
-            <a:off x="6527800" y="3922395"/>
+            <a:off x="8041640" y="3922395"/>
             <a:ext cx="4064000" cy="368300"/>
           </a:xfrm>
           <a:prstGeom prst="rect">
@@ -43682,6 +43684,9 @@
                     <a:lumMod val="50000"/>
                   </a:schemeClr>
                 </a:solidFill>
+                <a:latin typeface="楷体" charset="0"/>
+                <a:ea typeface="楷体" charset="0"/>
+                <a:cs typeface="楷体" charset="0"/>
               </a:rPr>
               <a:t>211220070 </a:t>
             </a:r>
@@ -43692,6 +43697,9 @@
                     <a:lumMod val="50000"/>
                   </a:schemeClr>
                 </a:solidFill>
+                <a:latin typeface="楷体" charset="0"/>
+                <a:ea typeface="楷体" charset="0"/>
+                <a:cs typeface="楷体" charset="0"/>
               </a:rPr>
               <a:t>李嘉睿</a:t>
             </a:r>
@@ -43701,6 +43709,9 @@
                   <a:lumMod val="50000"/>
                 </a:schemeClr>
               </a:solidFill>
+              <a:latin typeface="楷体" charset="0"/>
+              <a:ea typeface="楷体" charset="0"/>
+              <a:cs typeface="楷体" charset="0"/>
             </a:endParaRPr>
           </a:p>
         </p:txBody>
@@ -43717,151 +43728,6 @@
 </file>
 
 <file path=ppt/slides/slide2.xml><?xml version="1.0" encoding="utf-8"?>
-<p:sld xmlns:a="http://schemas.openxmlformats.org/drawingml/2006/main" xmlns:r="http://schemas.openxmlformats.org/officeDocument/2006/relationships" xmlns:p="http://schemas.openxmlformats.org/presentationml/2006/main">
-  <p:cSld>
-    <p:spTree>
-      <p:nvGrpSpPr>
-        <p:cNvPr id="1" name=""/>
-        <p:cNvGrpSpPr/>
-        <p:nvPr/>
-      </p:nvGrpSpPr>
-      <p:grpSpPr>
-        <a:xfrm>
-          <a:off x="0" y="0"/>
-          <a:ext cx="0" cy="0"/>
-          <a:chOff x="0" y="0"/>
-          <a:chExt cx="0" cy="0"/>
-        </a:xfrm>
-      </p:grpSpPr>
-      <p:sp>
-        <p:nvSpPr>
-          <p:cNvPr id="11" name="矩形 10"/>
-          <p:cNvSpPr/>
-          <p:nvPr/>
-        </p:nvSpPr>
-        <p:spPr>
-          <a:xfrm>
-            <a:off x="4977746" y="450243"/>
-            <a:ext cx="1198880" cy="398780"/>
-          </a:xfrm>
-          <a:prstGeom prst="rect">
-            <a:avLst/>
-          </a:prstGeom>
-        </p:spPr>
-        <p:txBody>
-          <a:bodyPr wrap="none">
-            <a:spAutoFit/>
-          </a:bodyPr>
-          <a:lstStyle/>
-          <a:p>
-            <a:pPr lvl="0"/>
-            <a:r>
-              <a:rPr lang="zh-CN" altLang="en-US" sz="2000" dirty="0">
-                <a:solidFill>
-                  <a:srgbClr val="BD934E"/>
-                </a:solidFill>
-              </a:rPr>
-              <a:t>主要进展</a:t>
-            </a:r>
-            <a:endParaRPr lang="zh-CN" altLang="en-US" sz="2000" dirty="0">
-              <a:solidFill>
-                <a:srgbClr val="BD934E"/>
-              </a:solidFill>
-            </a:endParaRPr>
-          </a:p>
-        </p:txBody>
-      </p:sp>
-      <p:pic>
-        <p:nvPicPr>
-          <p:cNvPr id="12" name="图片 11" descr="G:\2021\校庆\PPT\logo-08.pnglogo-08"/>
-          <p:cNvPicPr>
-            <a:picLocks noChangeAspect="1"/>
-          </p:cNvPicPr>
-          <p:nvPr/>
-        </p:nvPicPr>
-        <p:blipFill>
-          <a:blip r:embed="rId1"/>
-          <a:srcRect/>
-          <a:stretch>
-            <a:fillRect/>
-          </a:stretch>
-        </p:blipFill>
-        <p:spPr>
-          <a:xfrm rot="17197349" flipH="1">
-            <a:off x="4494838" y="468682"/>
-            <a:ext cx="525802" cy="484314"/>
-          </a:xfrm>
-          <a:prstGeom prst="rect">
-            <a:avLst/>
-          </a:prstGeom>
-        </p:spPr>
-      </p:pic>
-      <p:sp>
-        <p:nvSpPr>
-          <p:cNvPr id="5" name="文本框 4"/>
-          <p:cNvSpPr txBox="1"/>
-          <p:nvPr/>
-        </p:nvSpPr>
-        <p:spPr>
-          <a:xfrm>
-            <a:off x="991235" y="1614805"/>
-            <a:ext cx="8644255" cy="2245360"/>
-          </a:xfrm>
-          <a:prstGeom prst="rect">
-            <a:avLst/>
-          </a:prstGeom>
-          <a:noFill/>
-        </p:spPr>
-        <p:txBody>
-          <a:bodyPr wrap="square" rtlCol="0">
-            <a:spAutoFit/>
-          </a:bodyPr>
-          <a:p>
-            <a:r>
-              <a:rPr lang="en-US" altLang="zh-CN" sz="2800"/>
-              <a:t>1. </a:t>
-            </a:r>
-            <a:r>
-              <a:rPr lang="zh-CN" altLang="en-US" sz="2800"/>
-              <a:t>阅读相应文献</a:t>
-            </a:r>
-            <a:endParaRPr lang="zh-CN" altLang="en-US" sz="2800"/>
-          </a:p>
-          <a:p>
-            <a:endParaRPr lang="zh-CN" altLang="en-US" sz="2800"/>
-          </a:p>
-          <a:p>
-            <a:endParaRPr lang="zh-CN" altLang="en-US" sz="2800"/>
-          </a:p>
-          <a:p>
-            <a:r>
-              <a:rPr lang="en-US" altLang="zh-CN" sz="2800"/>
-              <a:t>2. </a:t>
-            </a:r>
-            <a:r>
-              <a:rPr lang="zh-CN" altLang="en-US" sz="2800"/>
-              <a:t>复现文献代码并测试</a:t>
-            </a:r>
-            <a:endParaRPr lang="zh-CN" altLang="en-US" sz="2800"/>
-          </a:p>
-          <a:p>
-            <a:pPr indent="457200"/>
-            <a:endParaRPr lang="zh-CN" altLang="en-US" sz="2800"/>
-          </a:p>
-        </p:txBody>
-      </p:sp>
-    </p:spTree>
-    <p:custDataLst>
-      <p:tags r:id="rId2"/>
-    </p:custDataLst>
-  </p:cSld>
-  <p:clrMapOvr>
-    <a:masterClrMapping/>
-  </p:clrMapOvr>
-</p:sld>
-</file>
-
-<file path=ppt/slides/slide3.xml><?xml version="1.0" encoding="utf-8"?>
 <p:sld xmlns:a="http://schemas.openxmlformats.org/drawingml/2006/main" xmlns:r="http://schemas.openxmlformats.org/officeDocument/2006/relationships" xmlns:p="http://schemas.openxmlformats.org/presentationml/2006/main">
   <p:cSld>
     <p:spTree>
@@ -43900,10 +43766,82 @@
           </a:p>
         </p:txBody>
       </p:sp>
+      <p:sp>
+        <p:nvSpPr>
+          <p:cNvPr id="13" name="文本框 12"/>
+          <p:cNvSpPr txBox="1"/>
+          <p:nvPr/>
+        </p:nvSpPr>
+        <p:spPr>
+          <a:xfrm>
+            <a:off x="294640" y="304165"/>
+            <a:ext cx="4064000" cy="460375"/>
+          </a:xfrm>
+          <a:prstGeom prst="rect">
+            <a:avLst/>
+          </a:prstGeom>
+          <a:noFill/>
+        </p:spPr>
+        <p:txBody>
+          <a:bodyPr wrap="square" rtlCol="0">
+            <a:spAutoFit/>
+          </a:bodyPr>
+          <a:p>
+            <a:r>
+              <a:rPr lang="zh-CN" altLang="en-US" sz="2400">
+                <a:latin typeface="楷体" charset="0"/>
+                <a:ea typeface="楷体" charset="0"/>
+              </a:rPr>
+              <a:t>基础遗传算法</a:t>
+            </a:r>
+            <a:endParaRPr lang="zh-CN" altLang="en-US" sz="2400">
+              <a:latin typeface="楷体" charset="0"/>
+              <a:ea typeface="楷体" charset="0"/>
+            </a:endParaRPr>
+          </a:p>
+        </p:txBody>
+      </p:sp>
+      <p:sp>
+        <p:nvSpPr>
+          <p:cNvPr id="15" name="文本框 14"/>
+          <p:cNvSpPr txBox="1"/>
+          <p:nvPr/>
+        </p:nvSpPr>
+        <p:spPr>
+          <a:xfrm>
+            <a:off x="379730" y="3284855"/>
+            <a:ext cx="4064000" cy="460375"/>
+          </a:xfrm>
+          <a:prstGeom prst="rect">
+            <a:avLst/>
+          </a:prstGeom>
+          <a:noFill/>
+        </p:spPr>
+        <p:txBody>
+          <a:bodyPr wrap="square" rtlCol="0">
+            <a:spAutoFit/>
+          </a:bodyPr>
+          <a:p>
+            <a:r>
+              <a:rPr lang="zh-CN" altLang="en-US" sz="2400">
+                <a:latin typeface="楷体" charset="0"/>
+                <a:ea typeface="楷体" charset="0"/>
+              </a:rPr>
+              <a:t>改进算法</a:t>
+            </a:r>
+            <a:endParaRPr lang="zh-CN" altLang="en-US" sz="2400">
+              <a:latin typeface="楷体" charset="0"/>
+              <a:ea typeface="楷体" charset="0"/>
+            </a:endParaRPr>
+          </a:p>
+        </p:txBody>
+      </p:sp>
       <p:pic>
         <p:nvPicPr>
-          <p:cNvPr id="5" name="图片 4"/>
-          <p:cNvPicPr/>
+          <p:cNvPr id="17" name="图片 16"/>
+          <p:cNvPicPr>
+            <a:picLocks noChangeAspect="1"/>
+          </p:cNvPicPr>
           <p:nvPr/>
         </p:nvPicPr>
         <p:blipFill>
@@ -43914,8 +43852,115 @@
         </p:blipFill>
         <p:spPr>
           <a:xfrm>
-            <a:off x="146050" y="0"/>
-            <a:ext cx="4866005" cy="6712585"/>
+            <a:off x="0" y="1088390"/>
+            <a:ext cx="12192000" cy="1945640"/>
+          </a:xfrm>
+          <a:prstGeom prst="rect">
+            <a:avLst/>
+          </a:prstGeom>
+        </p:spPr>
+      </p:pic>
+      <p:pic>
+        <p:nvPicPr>
+          <p:cNvPr id="18" name="图片 17"/>
+          <p:cNvPicPr>
+            <a:picLocks noChangeAspect="1"/>
+          </p:cNvPicPr>
+          <p:nvPr/>
+        </p:nvPicPr>
+        <p:blipFill>
+          <a:blip r:embed="rId2"/>
+          <a:stretch>
+            <a:fillRect/>
+          </a:stretch>
+        </p:blipFill>
+        <p:spPr>
+          <a:xfrm>
+            <a:off x="0" y="3888105"/>
+            <a:ext cx="12192000" cy="2665095"/>
+          </a:xfrm>
+          <a:prstGeom prst="rect">
+            <a:avLst/>
+          </a:prstGeom>
+        </p:spPr>
+      </p:pic>
+    </p:spTree>
+    <p:custDataLst>
+      <p:tags r:id="rId3"/>
+    </p:custDataLst>
+  </p:cSld>
+  <p:clrMapOvr>
+    <a:masterClrMapping/>
+  </p:clrMapOvr>
+</p:sld>
+</file>
+
+<file path=ppt/slides/slide3.xml><?xml version="1.0" encoding="utf-8"?>
+<p:sld xmlns:a="http://schemas.openxmlformats.org/drawingml/2006/main" xmlns:r="http://schemas.openxmlformats.org/officeDocument/2006/relationships" xmlns:p="http://schemas.openxmlformats.org/presentationml/2006/main">
+  <p:cSld>
+    <p:spTree>
+      <p:nvGrpSpPr>
+        <p:cNvPr id="1" name=""/>
+        <p:cNvGrpSpPr/>
+        <p:nvPr/>
+      </p:nvGrpSpPr>
+      <p:grpSpPr/>
+      <p:sp>
+        <p:nvSpPr>
+          <p:cNvPr id="11" name="矩形 10"/>
+          <p:cNvSpPr/>
+          <p:nvPr/>
+        </p:nvSpPr>
+        <p:spPr>
+          <a:xfrm>
+            <a:off x="4977746" y="450243"/>
+            <a:ext cx="1706880" cy="460375"/>
+          </a:xfrm>
+          <a:prstGeom prst="rect">
+            <a:avLst/>
+          </a:prstGeom>
+        </p:spPr>
+        <p:txBody>
+          <a:bodyPr wrap="none">
+            <a:spAutoFit/>
+          </a:bodyPr>
+          <a:p>
+            <a:pPr lvl="0"/>
+            <a:r>
+              <a:rPr lang="zh-CN" altLang="en-US" sz="2400" dirty="0">
+                <a:solidFill>
+                  <a:srgbClr val="BD934E"/>
+                </a:solidFill>
+              </a:rPr>
+              <a:t>初始化种群</a:t>
+            </a:r>
+            <a:endParaRPr lang="zh-CN" altLang="en-US" sz="2400" dirty="0">
+              <a:solidFill>
+                <a:srgbClr val="BD934E"/>
+              </a:solidFill>
+            </a:endParaRPr>
+          </a:p>
+        </p:txBody>
+      </p:sp>
+      <p:pic>
+        <p:nvPicPr>
+          <p:cNvPr id="12" name="图片 11" descr="G:\2021\校庆\PPT\logo-08.pnglogo-08"/>
+          <p:cNvPicPr>
+            <a:picLocks noChangeAspect="1"/>
+          </p:cNvPicPr>
+          <p:nvPr/>
+        </p:nvPicPr>
+        <p:blipFill>
+          <a:blip r:embed="rId1"/>
+          <a:srcRect/>
+          <a:stretch>
+            <a:fillRect/>
+          </a:stretch>
+        </p:blipFill>
+        <p:spPr>
+          <a:xfrm rot="17197349" flipH="1">
+            <a:off x="4494838" y="468682"/>
+            <a:ext cx="525802" cy="484314"/>
           </a:xfrm>
           <a:prstGeom prst="rect">
             <a:avLst/>
@@ -43924,14 +43969,14 @@
       </p:pic>
       <p:sp>
         <p:nvSpPr>
-          <p:cNvPr id="6" name="文本框 5"/>
+          <p:cNvPr id="3" name="文本框 2"/>
           <p:cNvSpPr txBox="1"/>
           <p:nvPr/>
         </p:nvSpPr>
         <p:spPr>
           <a:xfrm>
-            <a:off x="5229225" y="479425"/>
-            <a:ext cx="5419725" cy="1198880"/>
+            <a:off x="1125220" y="1225550"/>
+            <a:ext cx="9850755" cy="4399915"/>
           </a:xfrm>
           <a:prstGeom prst="rect">
             <a:avLst/>
@@ -43948,21 +43993,61 @@
               <a:buChar char="•"/>
             </a:pPr>
             <a:r>
-              <a:rPr lang="en-US" altLang="zh-CN"/>
-              <a:t>Class Stochastic</a:t>
+              <a:rPr lang="zh-CN" altLang="en-US" sz="2000">
+                <a:latin typeface="楷体" charset="0"/>
+                <a:ea typeface="楷体" charset="0"/>
+              </a:rPr>
+              <a:t>传统</a:t>
             </a:r>
             <a:r>
-              <a:rPr lang="en-US" altLang="zh-CN"/>
-              <a:t>Network</a:t>
+              <a:rPr lang="en-US" altLang="zh-CN" sz="2000">
+                <a:latin typeface="楷体" charset="0"/>
+                <a:ea typeface="楷体" charset="0"/>
+              </a:rPr>
+              <a:t>Djikstra</a:t>
             </a:r>
-            <a:endParaRPr lang="en-US" altLang="zh-CN"/>
+            <a:r>
+              <a:rPr lang="zh-CN" altLang="en-US" sz="2000">
+                <a:latin typeface="楷体" charset="0"/>
+                <a:ea typeface="楷体" charset="0"/>
+              </a:rPr>
+              <a:t>算法并不适用于随机网络</a:t>
+            </a:r>
+            <a:r>
+              <a:rPr lang="en-US" altLang="zh-CN" sz="2000">
+                <a:latin typeface="楷体" charset="0"/>
+                <a:ea typeface="楷体" charset="0"/>
+              </a:rPr>
+              <a:t> -- </a:t>
+            </a:r>
+            <a:r>
+              <a:rPr lang="zh-CN" altLang="en-US" sz="2000">
+                <a:latin typeface="楷体" charset="0"/>
+                <a:ea typeface="楷体" charset="0"/>
+              </a:rPr>
+              <a:t>随机网络不满足最短路径的子路径也一定是最短路径</a:t>
+            </a:r>
+            <a:r>
+              <a:rPr lang="en-US" altLang="zh-CN" sz="2000">
+                <a:latin typeface="楷体" charset="0"/>
+                <a:ea typeface="楷体" charset="0"/>
+              </a:rPr>
+              <a:t>。</a:t>
+            </a:r>
+            <a:endParaRPr lang="en-US" altLang="zh-CN" sz="2000">
+              <a:latin typeface="楷体" charset="0"/>
+              <a:ea typeface="楷体" charset="0"/>
+            </a:endParaRPr>
           </a:p>
           <a:p>
             <a:pPr marL="285750" indent="-285750">
               <a:buFont typeface="Arial" panose="020B0704020202020204" pitchFamily="34" charset="0"/>
               <a:buChar char="•"/>
             </a:pPr>
-            <a:endParaRPr lang="en-US" altLang="zh-CN"/>
+            <a:endParaRPr lang="en-US" altLang="zh-CN" sz="2000">
+              <a:latin typeface="楷体" charset="0"/>
+              <a:ea typeface="楷体" charset="0"/>
+            </a:endParaRPr>
           </a:p>
           <a:p>
             <a:pPr marL="285750" indent="-285750">
@@ -43970,36 +44055,256 @@
               <a:buChar char="•"/>
             </a:pPr>
             <a:r>
-              <a:rPr lang="zh-CN" altLang="en-US"/>
-              <a:t>建立随机路径网络</a:t>
+              <a:rPr lang="zh-CN" altLang="en-US" sz="2000">
+                <a:latin typeface="楷体" charset="0"/>
+                <a:ea typeface="楷体" charset="0"/>
+              </a:rPr>
+              <a:t>随机</a:t>
             </a:r>
             <a:r>
-              <a:rPr lang="en-US" altLang="zh-CN"/>
+              <a:rPr lang="en-US" altLang="zh-CN" sz="2000">
+                <a:latin typeface="楷体" charset="0"/>
+                <a:ea typeface="楷体" charset="0"/>
+              </a:rPr>
+              <a:t>Djikstra</a:t>
+            </a:r>
+            <a:r>
+              <a:rPr lang="zh-CN" altLang="en-US" sz="2000">
+                <a:latin typeface="楷体" charset="0"/>
+                <a:ea typeface="楷体" charset="0"/>
+              </a:rPr>
+              <a:t>算法</a:t>
+            </a:r>
+            <a:r>
+              <a:rPr lang="en-US" altLang="zh-CN" sz="2000">
+                <a:latin typeface="楷体" charset="0"/>
+                <a:ea typeface="楷体" charset="0"/>
+              </a:rPr>
+              <a:t>：</a:t>
+            </a:r>
+            <a:r>
+              <a:rPr lang="zh-CN" altLang="en-US" sz="2000">
+                <a:latin typeface="楷体" charset="0"/>
+                <a:ea typeface="楷体" charset="0"/>
+              </a:rPr>
+              <a:t>与标准</a:t>
+            </a:r>
+            <a:r>
+              <a:rPr lang="en-US" altLang="zh-CN" sz="2000">
+                <a:latin typeface="楷体" charset="0"/>
+                <a:ea typeface="楷体" charset="0"/>
+              </a:rPr>
+              <a:t>Djikstra</a:t>
+            </a:r>
+            <a:r>
+              <a:rPr lang="zh-CN" altLang="en-US" sz="2000">
+                <a:latin typeface="楷体" charset="0"/>
+                <a:ea typeface="楷体" charset="0"/>
+              </a:rPr>
+              <a:t>算法的不同之处在于“下一点”的获取；随机</a:t>
+            </a:r>
+            <a:r>
+              <a:rPr lang="en-US" altLang="zh-CN" sz="2000">
+                <a:latin typeface="楷体" charset="0"/>
+                <a:ea typeface="楷体" charset="0"/>
+              </a:rPr>
+              <a:t>Djikstra</a:t>
+            </a:r>
+            <a:r>
+              <a:rPr lang="zh-CN" altLang="en-US" sz="2000">
+                <a:latin typeface="楷体" charset="0"/>
+                <a:ea typeface="楷体" charset="0"/>
+              </a:rPr>
+              <a:t>算法以下</a:t>
+            </a:r>
+            <a:r>
+              <a:rPr lang="zh-CN" altLang="en-US" sz="2000">
+                <a:latin typeface="楷体" charset="0"/>
+                <a:ea typeface="楷体" charset="0"/>
+              </a:rPr>
+              <a:t>述概率在未达到点中选取</a:t>
+            </a:r>
+            <a:r>
+              <a:rPr lang="en-US" altLang="zh-CN" sz="2000">
+                <a:latin typeface="楷体" charset="0"/>
+                <a:ea typeface="楷体" charset="0"/>
+              </a:rPr>
+              <a:t>。</a:t>
+            </a:r>
+            <a:endParaRPr lang="en-US" altLang="zh-CN" sz="2000">
+              <a:latin typeface="楷体" charset="0"/>
+              <a:ea typeface="楷体" charset="0"/>
+            </a:endParaRPr>
+          </a:p>
+          <a:p>
+            <a:pPr marL="285750" indent="-285750">
+              <a:buFont typeface="Arial" panose="020B0704020202020204" pitchFamily="34" charset="0"/>
+              <a:buChar char="•"/>
+            </a:pPr>
+            <a:endParaRPr lang="en-US" altLang="zh-CN" sz="2000">
+              <a:latin typeface="楷体" charset="0"/>
+              <a:ea typeface="楷体" charset="0"/>
+            </a:endParaRPr>
+          </a:p>
+          <a:p>
+            <a:pPr marL="285750" indent="-285750">
+              <a:buFont typeface="Arial" panose="020B0704020202020204" pitchFamily="34" charset="0"/>
+              <a:buChar char="•"/>
+            </a:pPr>
+            <a:endParaRPr lang="zh-CN" altLang="en-US" sz="2000">
+              <a:latin typeface="楷体" charset="0"/>
+              <a:ea typeface="楷体" charset="0"/>
+            </a:endParaRPr>
+          </a:p>
+          <a:p>
+            <a:pPr marL="285750" indent="-285750">
+              <a:buFont typeface="Arial" panose="020B0704020202020204" pitchFamily="34" charset="0"/>
+              <a:buChar char="•"/>
+            </a:pPr>
+            <a:endParaRPr lang="zh-CN" altLang="en-US" sz="2000">
+              <a:latin typeface="楷体" charset="0"/>
+              <a:ea typeface="楷体" charset="0"/>
+            </a:endParaRPr>
+          </a:p>
+          <a:p>
+            <a:pPr marL="285750" indent="-285750">
+              <a:buFont typeface="Arial" panose="020B0704020202020204" pitchFamily="34" charset="0"/>
+              <a:buChar char="•"/>
+            </a:pPr>
+            <a:endParaRPr lang="zh-CN" altLang="en-US" sz="2000">
+              <a:latin typeface="楷体" charset="0"/>
+              <a:ea typeface="楷体" charset="0"/>
+            </a:endParaRPr>
+          </a:p>
+          <a:p>
+            <a:pPr marL="285750" indent="-285750">
+              <a:buFont typeface="Arial" panose="020B0704020202020204" pitchFamily="34" charset="0"/>
+              <a:buChar char="•"/>
+            </a:pPr>
+            <a:endParaRPr lang="zh-CN" altLang="en-US" sz="2000">
+              <a:latin typeface="楷体" charset="0"/>
+              <a:ea typeface="楷体" charset="0"/>
+            </a:endParaRPr>
+          </a:p>
+          <a:p>
+            <a:pPr marL="285750" indent="-285750">
+              <a:buFont typeface="Arial" panose="020B0704020202020204" pitchFamily="34" charset="0"/>
+              <a:buChar char="•"/>
+            </a:pPr>
+            <a:endParaRPr lang="zh-CN" altLang="en-US" sz="2000">
+              <a:latin typeface="楷体" charset="0"/>
+              <a:ea typeface="楷体" charset="0"/>
+            </a:endParaRPr>
+          </a:p>
+          <a:p>
+            <a:pPr marL="285750" indent="-285750">
+              <a:buFont typeface="Arial" panose="020B0704020202020204" pitchFamily="34" charset="0"/>
+              <a:buChar char="•"/>
+            </a:pPr>
+            <a:r>
+              <a:rPr lang="zh-CN" altLang="en-US" sz="2000">
+                <a:latin typeface="楷体" charset="0"/>
+                <a:ea typeface="楷体" charset="0"/>
+              </a:rPr>
+              <a:t>在遗传算法中初始种群的好坏将直接影响算法的收敛速度和收敛结果</a:t>
+            </a:r>
+            <a:r>
+              <a:rPr lang="en-US" altLang="zh-CN" sz="2000">
+                <a:latin typeface="楷体" charset="0"/>
+                <a:ea typeface="楷体" charset="0"/>
+              </a:rPr>
+              <a:t>；</a:t>
+            </a:r>
+            <a:r>
+              <a:rPr lang="zh-CN" altLang="en-US" sz="2000">
+                <a:latin typeface="楷体" charset="0"/>
+                <a:ea typeface="楷体" charset="0"/>
+              </a:rPr>
+              <a:t>由</a:t>
+            </a:r>
+            <a:r>
+              <a:rPr lang="en-US" altLang="zh-CN" sz="2000">
+                <a:latin typeface="楷体" charset="0"/>
+                <a:ea typeface="楷体" charset="0"/>
+              </a:rPr>
+              <a:t>DFS</a:t>
+            </a:r>
+            <a:r>
+              <a:rPr lang="zh-CN" altLang="en-US" sz="2000">
+                <a:latin typeface="楷体" charset="0"/>
+                <a:ea typeface="楷体" charset="0"/>
+              </a:rPr>
+              <a:t>算法初始化种群改为随机</a:t>
+            </a:r>
+            <a:r>
+              <a:rPr lang="en-US" altLang="zh-CN" sz="2000">
+                <a:latin typeface="楷体" charset="0"/>
+                <a:ea typeface="楷体" charset="0"/>
+              </a:rPr>
+              <a:t>Djikstra</a:t>
+            </a:r>
+            <a:r>
+              <a:rPr lang="zh-CN" altLang="en-US" sz="2000">
+                <a:latin typeface="楷体" charset="0"/>
+                <a:ea typeface="楷体" charset="0"/>
+              </a:rPr>
+              <a:t>算法在保持种群多样性的基础上</a:t>
+            </a:r>
+            <a:r>
+              <a:rPr lang="en-US" altLang="zh-CN" sz="2000">
+                <a:latin typeface="楷体" charset="0"/>
+                <a:ea typeface="楷体" charset="0"/>
+              </a:rPr>
               <a:t>，</a:t>
             </a:r>
             <a:r>
-              <a:rPr lang="zh-CN" altLang="en-US"/>
-              <a:t>为论文中</a:t>
+              <a:rPr lang="zh-CN" altLang="en-US" sz="2000">
+                <a:latin typeface="楷体" charset="0"/>
+                <a:ea typeface="楷体" charset="0"/>
+              </a:rPr>
+              <a:t>能一定程度的提升收敛速度</a:t>
             </a:r>
             <a:r>
-              <a:rPr lang="zh-CN" altLang="en-US"/>
-              <a:t>的三种最短路径模型</a:t>
+              <a:rPr lang="en-US" altLang="zh-CN" sz="2000">
+                <a:latin typeface="楷体" charset="0"/>
+                <a:ea typeface="楷体" charset="0"/>
+              </a:rPr>
+              <a:t>。        </a:t>
             </a:r>
-            <a:r>
-              <a:rPr lang="zh-CN" altLang="en-US"/>
-              <a:t>分别建立计算路径长度的</a:t>
-            </a:r>
-            <a:r>
-              <a:rPr lang="zh-CN" altLang="en-US"/>
-              <a:t>方法</a:t>
-            </a:r>
-            <a:endParaRPr lang="zh-CN" altLang="en-US"/>
+            <a:endParaRPr lang="zh-CN" altLang="en-US" sz="2000">
+              <a:latin typeface="楷体" charset="0"/>
+              <a:ea typeface="楷体" charset="0"/>
+            </a:endParaRPr>
           </a:p>
         </p:txBody>
       </p:sp>
+      <p:pic>
+        <p:nvPicPr>
+          <p:cNvPr id="5" name="图片 4"/>
+          <p:cNvPicPr>
+            <a:picLocks noChangeAspect="1"/>
+          </p:cNvPicPr>
+          <p:nvPr/>
+        </p:nvPicPr>
+        <p:blipFill>
+          <a:blip r:embed="rId2"/>
+          <a:stretch>
+            <a:fillRect/>
+          </a:stretch>
+        </p:blipFill>
+        <p:spPr>
+          <a:xfrm>
+            <a:off x="3545840" y="2976245"/>
+            <a:ext cx="4737100" cy="1244600"/>
+          </a:xfrm>
+          <a:prstGeom prst="rect">
+            <a:avLst/>
+          </a:prstGeom>
+        </p:spPr>
+      </p:pic>
     </p:spTree>
     <p:custDataLst>
-      <p:tags r:id="rId2"/>
+      <p:tags r:id="rId3"/>
     </p:custDataLst>
   </p:cSld>
   <p:clrMapOvr>
@@ -44018,22 +44323,62 @@
         <p:nvPr/>
       </p:nvGrpSpPr>
       <p:grpSpPr/>
+      <p:sp>
+        <p:nvSpPr>
+          <p:cNvPr id="11" name="矩形 10"/>
+          <p:cNvSpPr/>
+          <p:nvPr/>
+        </p:nvSpPr>
+        <p:spPr>
+          <a:xfrm>
+            <a:off x="4977746" y="450243"/>
+            <a:ext cx="792480" cy="460375"/>
+          </a:xfrm>
+          <a:prstGeom prst="rect">
+            <a:avLst/>
+          </a:prstGeom>
+        </p:spPr>
+        <p:txBody>
+          <a:bodyPr wrap="none">
+            <a:spAutoFit/>
+          </a:bodyPr>
+          <a:p>
+            <a:pPr lvl="0"/>
+            <a:r>
+              <a:rPr lang="zh-CN" altLang="en-US" sz="2400" dirty="0">
+                <a:solidFill>
+                  <a:srgbClr val="BD934E"/>
+                </a:solidFill>
+              </a:rPr>
+              <a:t>交叉</a:t>
+            </a:r>
+            <a:endParaRPr lang="zh-CN" altLang="en-US" sz="2400" dirty="0">
+              <a:solidFill>
+                <a:srgbClr val="BD934E"/>
+              </a:solidFill>
+            </a:endParaRPr>
+          </a:p>
+        </p:txBody>
+      </p:sp>
       <p:pic>
         <p:nvPicPr>
-          <p:cNvPr id="4" name="图片 3"/>
-          <p:cNvPicPr/>
+          <p:cNvPr id="12" name="图片 11" descr="G:\2021\校庆\PPT\logo-08.pnglogo-08"/>
+          <p:cNvPicPr>
+            <a:picLocks noChangeAspect="1"/>
+          </p:cNvPicPr>
           <p:nvPr/>
         </p:nvPicPr>
         <p:blipFill>
           <a:blip r:embed="rId1"/>
+          <a:srcRect/>
           <a:stretch>
             <a:fillRect/>
           </a:stretch>
         </p:blipFill>
         <p:spPr>
-          <a:xfrm>
-            <a:off x="0" y="0"/>
-            <a:ext cx="6508750" cy="6858000"/>
+          <a:xfrm rot="17197349" flipH="1">
+            <a:off x="4494838" y="468682"/>
+            <a:ext cx="525802" cy="484314"/>
           </a:xfrm>
           <a:prstGeom prst="rect">
             <a:avLst/>
@@ -44042,14 +44387,14 @@
       </p:pic>
       <p:sp>
         <p:nvSpPr>
-          <p:cNvPr id="5" name="文本框 4"/>
+          <p:cNvPr id="2" name="文本框 1"/>
           <p:cNvSpPr txBox="1"/>
           <p:nvPr/>
         </p:nvSpPr>
         <p:spPr>
           <a:xfrm>
-            <a:off x="6355080" y="479425"/>
-            <a:ext cx="5419725" cy="1198880"/>
+            <a:off x="1355725" y="1186180"/>
+            <a:ext cx="8893175" cy="3692525"/>
           </a:xfrm>
           <a:prstGeom prst="rect">
             <a:avLst/>
@@ -44066,21 +44411,45 @@
               <a:buChar char="•"/>
             </a:pPr>
             <a:r>
-              <a:rPr lang="en-US" altLang="zh-CN"/>
-              <a:t>Class Genetic</a:t>
+              <a:rPr lang="zh-CN" altLang="en-US">
+                <a:latin typeface="楷体" charset="0"/>
+                <a:ea typeface="楷体" charset="0"/>
+                <a:cs typeface="楷体" charset="0"/>
+              </a:rPr>
+              <a:t>随机交叉</a:t>
             </a:r>
             <a:r>
-              <a:rPr lang="en-US" altLang="zh-CN"/>
-              <a:t>Algorithm</a:t>
+              <a:rPr lang="en-US" altLang="zh-CN">
+                <a:latin typeface="楷体" charset="0"/>
+                <a:ea typeface="楷体" charset="0"/>
+                <a:cs typeface="楷体" charset="0"/>
+              </a:rPr>
+              <a:t> ——&gt;</a:t>
             </a:r>
-            <a:endParaRPr lang="en-US" altLang="zh-CN"/>
+            <a:r>
+              <a:rPr lang="zh-CN" altLang="en-US">
+                <a:latin typeface="楷体" charset="0"/>
+                <a:ea typeface="楷体" charset="0"/>
+                <a:cs typeface="楷体" charset="0"/>
+              </a:rPr>
+              <a:t>启发式搜索</a:t>
+            </a:r>
+            <a:endParaRPr lang="zh-CN" altLang="en-US">
+              <a:latin typeface="楷体" charset="0"/>
+              <a:ea typeface="楷体" charset="0"/>
+              <a:cs typeface="楷体" charset="0"/>
+            </a:endParaRPr>
           </a:p>
           <a:p>
             <a:pPr marL="285750" indent="-285750">
               <a:buFont typeface="Arial" panose="020B0704020202020204" pitchFamily="34" charset="0"/>
               <a:buChar char="•"/>
             </a:pPr>
-            <a:endParaRPr lang="en-US" altLang="zh-CN"/>
+            <a:endParaRPr lang="zh-CN" altLang="en-US">
+              <a:latin typeface="楷体" charset="0"/>
+              <a:ea typeface="楷体" charset="0"/>
+              <a:cs typeface="楷体" charset="0"/>
+            </a:endParaRPr>
           </a:p>
           <a:p>
             <a:pPr marL="285750" indent="-285750">
@@ -44088,46 +44457,355 @@
               <a:buChar char="•"/>
             </a:pPr>
             <a:r>
-              <a:rPr lang="zh-CN" altLang="en-US"/>
-              <a:t>复现论文中的基因算法中的</a:t>
+              <a:rPr lang="zh-CN" altLang="en-US">
+                <a:latin typeface="楷体" charset="0"/>
+                <a:ea typeface="楷体" charset="0"/>
+                <a:cs typeface="楷体" charset="0"/>
+              </a:rPr>
+              <a:t>具体步骤</a:t>
             </a:r>
             <a:r>
-              <a:rPr lang="en-US" altLang="zh-CN"/>
-              <a:t>-selection、mutate、crossover</a:t>
+              <a:rPr lang="en-US" altLang="zh-CN">
+                <a:latin typeface="楷体" charset="0"/>
+                <a:ea typeface="楷体" charset="0"/>
+                <a:cs typeface="楷体" charset="0"/>
+              </a:rPr>
+              <a:t>：</a:t>
+            </a:r>
+            <a:endParaRPr lang="en-US" altLang="zh-CN">
+              <a:latin typeface="楷体" charset="0"/>
+              <a:ea typeface="楷体" charset="0"/>
+              <a:cs typeface="楷体" charset="0"/>
+            </a:endParaRPr>
+          </a:p>
+          <a:p>
+            <a:pPr marL="285750" indent="-285750">
+              <a:buFont typeface="Arial" panose="020B0704020202020204" pitchFamily="34" charset="0"/>
+              <a:buChar char="•"/>
+            </a:pPr>
+            <a:endParaRPr lang="en-US" altLang="zh-CN">
+              <a:latin typeface="楷体" charset="0"/>
+              <a:ea typeface="楷体" charset="0"/>
+              <a:cs typeface="楷体" charset="0"/>
+            </a:endParaRPr>
+          </a:p>
+          <a:p>
+            <a:pPr marL="742950" lvl="1" indent="-285750">
+              <a:buFont typeface="Arial" panose="020B0704020202020204" pitchFamily="34" charset="0"/>
+              <a:buChar char="•"/>
+            </a:pPr>
+            <a:r>
+              <a:rPr lang="en-US" altLang="zh-CN">
+                <a:latin typeface="楷体" charset="0"/>
+                <a:ea typeface="楷体" charset="0"/>
+                <a:cs typeface="楷体" charset="0"/>
+              </a:rPr>
+              <a:t>1）</a:t>
             </a:r>
             <a:r>
-              <a:rPr lang="zh-CN" altLang="en-US"/>
-              <a:t>操作</a:t>
+              <a:rPr lang="zh-CN" altLang="en-US">
+                <a:latin typeface="楷体" charset="0"/>
+                <a:ea typeface="楷体" charset="0"/>
+                <a:cs typeface="楷体" charset="0"/>
+              </a:rPr>
+              <a:t>双亲若有相同节点</a:t>
             </a:r>
-            <a:endParaRPr lang="zh-CN" altLang="en-US"/>
+            <a:r>
+              <a:rPr lang="en-US" altLang="zh-CN">
+                <a:latin typeface="楷体" charset="0"/>
+                <a:ea typeface="楷体" charset="0"/>
+                <a:cs typeface="楷体" charset="0"/>
+              </a:rPr>
+              <a:t>,</a:t>
+            </a:r>
+            <a:r>
+              <a:rPr lang="zh-CN" altLang="en-US">
+                <a:latin typeface="楷体" charset="0"/>
+                <a:ea typeface="楷体" charset="0"/>
+                <a:cs typeface="楷体" charset="0"/>
+              </a:rPr>
+              <a:t>则在所有相同</a:t>
+            </a:r>
+            <a:r>
+              <a:rPr lang="zh-CN" altLang="en-US">
+                <a:latin typeface="楷体" charset="0"/>
+                <a:ea typeface="楷体" charset="0"/>
+                <a:cs typeface="楷体" charset="0"/>
+              </a:rPr>
+              <a:t>节点对中挑选出单点交叉后所得到的后代最优</a:t>
+            </a:r>
+            <a:r>
+              <a:rPr lang="en-US" altLang="zh-CN">
+                <a:latin typeface="楷体" charset="0"/>
+                <a:ea typeface="楷体" charset="0"/>
+                <a:cs typeface="楷体" charset="0"/>
+              </a:rPr>
+              <a:t>（</a:t>
+            </a:r>
+            <a:r>
+              <a:rPr lang="zh-CN" altLang="en-US">
+                <a:latin typeface="楷体" charset="0"/>
+                <a:ea typeface="楷体" charset="0"/>
+                <a:cs typeface="楷体" charset="0"/>
+              </a:rPr>
+              <a:t>适应度最优</a:t>
+            </a:r>
+            <a:r>
+              <a:rPr lang="en-US" altLang="zh-CN">
+                <a:latin typeface="楷体" charset="0"/>
+                <a:ea typeface="楷体" charset="0"/>
+                <a:cs typeface="楷体" charset="0"/>
+              </a:rPr>
+              <a:t>）</a:t>
+            </a:r>
+            <a:r>
+              <a:rPr lang="zh-CN" altLang="en-US">
+                <a:latin typeface="楷体" charset="0"/>
+                <a:ea typeface="楷体" charset="0"/>
+                <a:cs typeface="楷体" charset="0"/>
+              </a:rPr>
+              <a:t>的基因对</a:t>
+            </a:r>
+            <a:r>
+              <a:rPr lang="en-US" altLang="zh-CN">
+                <a:latin typeface="楷体" charset="0"/>
+                <a:ea typeface="楷体" charset="0"/>
+                <a:cs typeface="楷体" charset="0"/>
+              </a:rPr>
+              <a:t>,</a:t>
+            </a:r>
+            <a:r>
+              <a:rPr lang="zh-CN" altLang="en-US">
+                <a:latin typeface="楷体" charset="0"/>
+                <a:ea typeface="楷体" charset="0"/>
+                <a:cs typeface="楷体" charset="0"/>
+              </a:rPr>
+              <a:t>来进行单点交叉｡</a:t>
+            </a:r>
+            <a:endParaRPr lang="zh-CN" altLang="en-US">
+              <a:latin typeface="楷体" charset="0"/>
+              <a:ea typeface="楷体" charset="0"/>
+              <a:cs typeface="楷体" charset="0"/>
+            </a:endParaRPr>
+          </a:p>
+          <a:p>
+            <a:pPr marL="742950" lvl="1" indent="-285750">
+              <a:buFont typeface="Arial" panose="020B0704020202020204" pitchFamily="34" charset="0"/>
+              <a:buChar char="•"/>
+            </a:pPr>
+            <a:endParaRPr lang="zh-CN" altLang="en-US">
+              <a:latin typeface="楷体" charset="0"/>
+              <a:ea typeface="楷体" charset="0"/>
+              <a:cs typeface="楷体" charset="0"/>
+            </a:endParaRPr>
+          </a:p>
+          <a:p>
+            <a:pPr marL="742950" lvl="1" indent="-285750">
+              <a:buFont typeface="Arial" panose="020B0704020202020204" pitchFamily="34" charset="0"/>
+              <a:buChar char="•"/>
+            </a:pPr>
+            <a:r>
+              <a:rPr lang="en-US" altLang="zh-CN">
+                <a:latin typeface="楷体" charset="0"/>
+                <a:ea typeface="楷体" charset="0"/>
+                <a:cs typeface="楷体" charset="0"/>
+              </a:rPr>
+              <a:t>2）</a:t>
+            </a:r>
+            <a:r>
+              <a:rPr lang="zh-CN" altLang="en-US">
+                <a:latin typeface="楷体" charset="0"/>
+                <a:ea typeface="楷体" charset="0"/>
+                <a:cs typeface="楷体" charset="0"/>
+              </a:rPr>
+              <a:t>若不存在</a:t>
+            </a:r>
+            <a:r>
+              <a:rPr lang="en-US" altLang="zh-CN">
+                <a:latin typeface="楷体" charset="0"/>
+                <a:ea typeface="楷体" charset="0"/>
+                <a:cs typeface="楷体" charset="0"/>
+              </a:rPr>
+              <a:t>，</a:t>
+            </a:r>
+            <a:r>
+              <a:rPr lang="zh-CN" altLang="en-US">
+                <a:latin typeface="楷体" charset="0"/>
+                <a:ea typeface="楷体" charset="0"/>
+                <a:cs typeface="楷体" charset="0"/>
+              </a:rPr>
+              <a:t>则查找是否有节点之间存在路径</a:t>
+            </a:r>
+            <a:r>
+              <a:rPr lang="en-US" altLang="zh-CN">
+                <a:latin typeface="楷体" charset="0"/>
+                <a:ea typeface="楷体" charset="0"/>
+                <a:cs typeface="楷体" charset="0"/>
+              </a:rPr>
+              <a:t>，</a:t>
+            </a:r>
+            <a:r>
+              <a:rPr lang="zh-CN" altLang="en-US">
+                <a:latin typeface="楷体" charset="0"/>
+                <a:ea typeface="楷体" charset="0"/>
+                <a:cs typeface="楷体" charset="0"/>
+              </a:rPr>
+              <a:t>若有随机选取一对单点</a:t>
+            </a:r>
+            <a:r>
+              <a:rPr lang="zh-CN" altLang="en-US">
+                <a:latin typeface="楷体" charset="0"/>
+                <a:ea typeface="楷体" charset="0"/>
+                <a:cs typeface="楷体" charset="0"/>
+              </a:rPr>
+              <a:t>交叉</a:t>
+            </a:r>
+            <a:endParaRPr lang="zh-CN" altLang="en-US">
+              <a:latin typeface="楷体" charset="0"/>
+              <a:ea typeface="楷体" charset="0"/>
+              <a:cs typeface="楷体" charset="0"/>
+            </a:endParaRPr>
+          </a:p>
+          <a:p>
+            <a:pPr marL="742950" lvl="1" indent="-285750">
+              <a:buFont typeface="Arial" panose="020B0704020202020204" pitchFamily="34" charset="0"/>
+              <a:buChar char="•"/>
+            </a:pPr>
+            <a:endParaRPr lang="en-US" altLang="zh-CN">
+              <a:latin typeface="楷体" charset="0"/>
+              <a:ea typeface="楷体" charset="0"/>
+              <a:cs typeface="楷体" charset="0"/>
+            </a:endParaRPr>
+          </a:p>
+          <a:p>
+            <a:pPr marL="285750" lvl="0" indent="-285750">
+              <a:buFont typeface="Arial" panose="020B0704020202020204" pitchFamily="34" charset="0"/>
+              <a:buChar char="•"/>
+            </a:pPr>
+            <a:r>
+              <a:rPr lang="zh-CN" altLang="en-US">
+                <a:latin typeface="楷体" charset="0"/>
+                <a:ea typeface="楷体" charset="0"/>
+                <a:cs typeface="楷体" charset="0"/>
+              </a:rPr>
+              <a:t>优点</a:t>
+            </a:r>
+            <a:r>
+              <a:rPr lang="en-US" altLang="zh-CN">
+                <a:latin typeface="楷体" charset="0"/>
+                <a:ea typeface="楷体" charset="0"/>
+                <a:cs typeface="楷体" charset="0"/>
+              </a:rPr>
+              <a:t>：</a:t>
+            </a:r>
+            <a:endParaRPr lang="en-US" altLang="zh-CN">
+              <a:latin typeface="楷体" charset="0"/>
+              <a:ea typeface="楷体" charset="0"/>
+              <a:cs typeface="楷体" charset="0"/>
+            </a:endParaRPr>
+          </a:p>
+          <a:p>
+            <a:pPr marL="742950" lvl="1" indent="-285750">
+              <a:buFont typeface="Arial" panose="020B0704020202020204" pitchFamily="34" charset="0"/>
+              <a:buChar char="•"/>
+            </a:pPr>
+            <a:r>
+              <a:rPr lang="en-US" altLang="zh-CN">
+                <a:latin typeface="楷体" charset="0"/>
+                <a:ea typeface="楷体" charset="0"/>
+                <a:cs typeface="楷体" charset="0"/>
+              </a:rPr>
+              <a:t>1）</a:t>
+            </a:r>
+            <a:r>
+              <a:rPr lang="zh-CN" altLang="en-US">
+                <a:latin typeface="楷体" charset="0"/>
+                <a:ea typeface="楷体" charset="0"/>
+                <a:cs typeface="楷体" charset="0"/>
+              </a:rPr>
+              <a:t>不会产生非可行</a:t>
+            </a:r>
+            <a:r>
+              <a:rPr lang="zh-CN" altLang="en-US">
+                <a:latin typeface="楷体" charset="0"/>
+                <a:ea typeface="楷体" charset="0"/>
+                <a:cs typeface="楷体" charset="0"/>
+              </a:rPr>
+              <a:t>解</a:t>
+            </a:r>
+            <a:endParaRPr lang="zh-CN" altLang="en-US">
+              <a:latin typeface="楷体" charset="0"/>
+              <a:ea typeface="楷体" charset="0"/>
+              <a:cs typeface="楷体" charset="0"/>
+            </a:endParaRPr>
+          </a:p>
+          <a:p>
+            <a:pPr marL="742950" lvl="1" indent="-285750">
+              <a:buFont typeface="Arial" panose="020B0704020202020204" pitchFamily="34" charset="0"/>
+              <a:buChar char="•"/>
+            </a:pPr>
+            <a:endParaRPr lang="zh-CN" altLang="en-US">
+              <a:latin typeface="楷体" charset="0"/>
+              <a:ea typeface="楷体" charset="0"/>
+              <a:cs typeface="楷体" charset="0"/>
+            </a:endParaRPr>
+          </a:p>
+          <a:p>
+            <a:pPr marL="742950" lvl="1" indent="-285750">
+              <a:buFont typeface="Arial" panose="020B0704020202020204" pitchFamily="34" charset="0"/>
+              <a:buChar char="•"/>
+            </a:pPr>
+            <a:r>
+              <a:rPr lang="en-US" altLang="zh-CN">
+                <a:latin typeface="楷体" charset="0"/>
+                <a:ea typeface="楷体" charset="0"/>
+                <a:cs typeface="楷体" charset="0"/>
+              </a:rPr>
+              <a:t>2</a:t>
+            </a:r>
+            <a:r>
+              <a:rPr lang="zh-CN" altLang="en-US">
+                <a:latin typeface="楷体" charset="0"/>
+                <a:ea typeface="楷体" charset="0"/>
+                <a:cs typeface="楷体" charset="0"/>
+              </a:rPr>
+              <a:t>）相比于随机交叉</a:t>
+            </a:r>
+            <a:r>
+              <a:rPr lang="en-US" altLang="zh-CN">
+                <a:latin typeface="楷体" charset="0"/>
+                <a:ea typeface="楷体" charset="0"/>
+                <a:cs typeface="楷体" charset="0"/>
+              </a:rPr>
+              <a:t>，</a:t>
+            </a:r>
+            <a:r>
+              <a:rPr lang="zh-CN" altLang="en-US">
+                <a:latin typeface="楷体" charset="0"/>
+                <a:ea typeface="楷体" charset="0"/>
+                <a:cs typeface="楷体" charset="0"/>
+              </a:rPr>
+              <a:t>启发式算法能提升算法的搜索效率</a:t>
+            </a:r>
+            <a:r>
+              <a:rPr lang="en-US" altLang="zh-CN">
+                <a:latin typeface="楷体" charset="0"/>
+                <a:ea typeface="楷体" charset="0"/>
+                <a:cs typeface="楷体" charset="0"/>
+              </a:rPr>
+              <a:t>。</a:t>
+            </a:r>
+            <a:endParaRPr lang="en-US" altLang="zh-CN">
+              <a:latin typeface="楷体" charset="0"/>
+              <a:ea typeface="楷体" charset="0"/>
+              <a:cs typeface="楷体" charset="0"/>
+            </a:endParaRPr>
           </a:p>
         </p:txBody>
       </p:sp>
-      <p:pic>
-        <p:nvPicPr>
-          <p:cNvPr id="7" name="图片 6"/>
-          <p:cNvPicPr/>
-          <p:nvPr/>
-        </p:nvPicPr>
-        <p:blipFill>
-          <a:blip r:embed="rId2"/>
-          <a:stretch>
-            <a:fillRect/>
-          </a:stretch>
-        </p:blipFill>
-        <p:spPr>
-          <a:xfrm>
-            <a:off x="5805805" y="2014855"/>
-            <a:ext cx="7016115" cy="4843145"/>
-          </a:xfrm>
-          <a:prstGeom prst="rect">
-            <a:avLst/>
-          </a:prstGeom>
-        </p:spPr>
-      </p:pic>
     </p:spTree>
     <p:custDataLst>
-      <p:tags r:id="rId3"/>
+      <p:tags r:id="rId2"/>
     </p:custDataLst>
   </p:cSld>
   <p:clrMapOvr>
@@ -44146,98 +44824,582 @@
         <p:nvPr/>
       </p:nvGrpSpPr>
       <p:grpSpPr/>
+      <p:sp>
+        <p:nvSpPr>
+          <p:cNvPr id="2" name="矩形 1"/>
+          <p:cNvSpPr/>
+          <p:nvPr/>
+        </p:nvSpPr>
+        <p:spPr>
+          <a:xfrm>
+            <a:off x="1411586" y="382933"/>
+            <a:ext cx="2011680" cy="460375"/>
+          </a:xfrm>
+          <a:prstGeom prst="rect">
+            <a:avLst/>
+          </a:prstGeom>
+        </p:spPr>
+        <p:txBody>
+          <a:bodyPr wrap="none">
+            <a:spAutoFit/>
+          </a:bodyPr>
+          <a:p>
+            <a:pPr lvl="0"/>
+            <a:r>
+              <a:rPr lang="zh-CN" altLang="en-US" sz="2400" dirty="0">
+                <a:solidFill>
+                  <a:srgbClr val="BD934E"/>
+                </a:solidFill>
+              </a:rPr>
+              <a:t>算法终止</a:t>
+            </a:r>
+            <a:r>
+              <a:rPr lang="zh-CN" altLang="en-US" sz="2400" dirty="0">
+                <a:solidFill>
+                  <a:srgbClr val="BD934E"/>
+                </a:solidFill>
+              </a:rPr>
+              <a:t>条件</a:t>
+            </a:r>
+            <a:endParaRPr lang="zh-CN" altLang="en-US" sz="2400" dirty="0">
+              <a:solidFill>
+                <a:srgbClr val="BD934E"/>
+              </a:solidFill>
+            </a:endParaRPr>
+          </a:p>
+        </p:txBody>
+      </p:sp>
       <p:pic>
         <p:nvPicPr>
-          <p:cNvPr id="3" name="图片 2"/>
-          <p:cNvPicPr/>
+          <p:cNvPr id="3" name="图片 2" descr="G:\2021\校庆\PPT\logo-08.pnglogo-08"/>
+          <p:cNvPicPr>
+            <a:picLocks noChangeAspect="1"/>
+          </p:cNvPicPr>
           <p:nvPr/>
         </p:nvPicPr>
         <p:blipFill>
           <a:blip r:embed="rId1"/>
+          <a:srcRect/>
           <a:stretch>
             <a:fillRect/>
           </a:stretch>
         </p:blipFill>
         <p:spPr>
-          <a:xfrm>
-            <a:off x="0" y="0"/>
-            <a:ext cx="8229600" cy="6819900"/>
+          <a:xfrm rot="17197349" flipH="1">
+            <a:off x="841048" y="461062"/>
+            <a:ext cx="525802" cy="484314"/>
           </a:xfrm>
           <a:prstGeom prst="rect">
             <a:avLst/>
           </a:prstGeom>
         </p:spPr>
       </p:pic>
-      <p:sp>
-        <p:nvSpPr>
-          <p:cNvPr id="5" name="文本框 4"/>
-          <p:cNvSpPr txBox="1"/>
-          <p:nvPr/>
-        </p:nvSpPr>
-        <p:spPr>
-          <a:xfrm>
-            <a:off x="6355080" y="479425"/>
-            <a:ext cx="5419725" cy="368300"/>
-          </a:xfrm>
-          <a:prstGeom prst="rect">
-            <a:avLst/>
-          </a:prstGeom>
-          <a:noFill/>
-        </p:spPr>
-        <p:txBody>
-          <a:bodyPr wrap="square" rtlCol="0">
-            <a:spAutoFit/>
-          </a:bodyPr>
-          <a:p>
-            <a:pPr marL="285750" indent="-285750">
-              <a:buFont typeface="Arial" panose="020B0704020202020204" pitchFamily="34" charset="0"/>
-              <a:buChar char="•"/>
-            </a:pPr>
-            <a:r>
-              <a:rPr lang="zh-CN" altLang="en-US"/>
-              <a:t>模拟种群迭代</a:t>
-            </a:r>
-            <a:r>
-              <a:rPr lang="en-US" altLang="zh-CN"/>
-              <a:t>、</a:t>
-            </a:r>
-            <a:r>
-              <a:rPr lang="zh-CN" altLang="en-US"/>
-              <a:t>基因选择的</a:t>
-            </a:r>
-            <a:r>
-              <a:rPr lang="zh-CN" altLang="en-US"/>
-              <a:t>过程</a:t>
-            </a:r>
-            <a:endParaRPr lang="zh-CN" altLang="en-US"/>
-          </a:p>
-        </p:txBody>
-      </p:sp>
-      <p:pic>
-        <p:nvPicPr>
-          <p:cNvPr id="4" name="图片 3"/>
-          <p:cNvPicPr/>
-          <p:nvPr/>
-        </p:nvPicPr>
-        <p:blipFill>
-          <a:blip r:embed="rId2"/>
-          <a:stretch>
-            <a:fillRect/>
-          </a:stretch>
-        </p:blipFill>
-        <p:spPr>
-          <a:xfrm>
-            <a:off x="7962900" y="1489075"/>
-            <a:ext cx="4229100" cy="5054600"/>
-          </a:xfrm>
-          <a:prstGeom prst="rect">
-            <a:avLst/>
-          </a:prstGeom>
-        </p:spPr>
-      </p:pic>
+      <mc:AlternateContent xmlns:mc="http://schemas.openxmlformats.org/markup-compatibility/2006">
+        <mc:Choice xmlns:a14="http://schemas.microsoft.com/office/drawing/2010/main" Requires="a14">
+          <p:sp>
+            <p:nvSpPr>
+              <p:cNvPr id="8" name="文本框 7"/>
+              <p:cNvSpPr txBox="1"/>
+              <p:nvPr/>
+            </p:nvSpPr>
+            <p:spPr>
+              <a:xfrm>
+                <a:off x="1861757" y="1519809"/>
+                <a:ext cx="3105150" cy="471170"/>
+              </a:xfrm>
+              <a:prstGeom prst="rect">
+                <a:avLst/>
+              </a:prstGeom>
+              <a:noFill/>
+            </p:spPr>
+            <p:txBody>
+              <a:bodyPr wrap="none" rtlCol="0" anchor="t">
+                <a:spAutoFit/>
+              </a:bodyPr>
+              <a:p>
+                <a:pPr algn="l"/>
+                <a:r>
+                  <a:rPr lang="en-US" altLang="zh-CN" i="1">
+                    <a:latin typeface="DejaVu Math TeX Gyre" panose="02000503000000000000" charset="0"/>
+                    <a:cs typeface="DejaVu Math TeX Gyre" panose="02000503000000000000" charset="0"/>
+                  </a:rPr>
+                  <a:t>F（N）=（</a:t>
+                </a:r>
+                <a14:m>
+                  <m:oMath xmlns:m="http://schemas.openxmlformats.org/officeDocument/2006/math">
+                    <m:nary>
+                      <m:naryPr>
+                        <m:chr m:val="∑"/>
+                        <m:limLoc m:val="subSup"/>
+                        <m:ctrlPr>
+                          <a:rPr lang="en-US" altLang="zh-CN" i="1">
+                            <a:latin typeface="DejaVu Math TeX Gyre" panose="02000503000000000000" charset="0"/>
+                            <a:cs typeface="DejaVu Math TeX Gyre" panose="02000503000000000000" charset="0"/>
+                          </a:rPr>
+                        </m:ctrlPr>
+                      </m:naryPr>
+                      <m:sub>
+                        <m:r>
+                          <a:rPr lang="en-US" altLang="zh-CN" i="1">
+                            <a:latin typeface="DejaVu Math TeX Gyre" panose="02000503000000000000" charset="0"/>
+                            <a:cs typeface="DejaVu Math TeX Gyre" panose="02000503000000000000" charset="0"/>
+                          </a:rPr>
+                          <m:t>𝑎</m:t>
+                        </m:r>
+                        <m:r>
+                          <a:rPr lang="en-US" altLang="zh-CN" i="1">
+                            <a:latin typeface="DejaVu Math TeX Gyre" panose="02000503000000000000" charset="0"/>
+                            <a:cs typeface="DejaVu Math TeX Gyre" panose="02000503000000000000" charset="0"/>
+                          </a:rPr>
+                          <m:t>=</m:t>
+                        </m:r>
+                        <m:r>
+                          <a:rPr lang="en-US" altLang="zh-CN" i="1">
+                            <a:latin typeface="DejaVu Math TeX Gyre" panose="02000503000000000000" charset="0"/>
+                            <a:cs typeface="DejaVu Math TeX Gyre" panose="02000503000000000000" charset="0"/>
+                          </a:rPr>
+                          <m:t>1</m:t>
+                        </m:r>
+                      </m:sub>
+                      <m:sup>
+                        <m:r>
+                          <a:rPr lang="en-US" altLang="zh-CN" i="1">
+                            <a:latin typeface="DejaVu Math TeX Gyre" panose="02000503000000000000" charset="0"/>
+                            <a:cs typeface="DejaVu Math TeX Gyre" panose="02000503000000000000" charset="0"/>
+                          </a:rPr>
+                          <m:t>𝑁</m:t>
+                        </m:r>
+                      </m:sup>
+                      <m:e>
+                        <m:sSubSup>
+                          <m:sSubSupPr>
+                            <m:ctrlPr>
+                              <a:rPr lang="en-US" altLang="zh-CN" i="1">
+                                <a:latin typeface="DejaVu Math TeX Gyre" panose="02000503000000000000" charset="0"/>
+                                <a:cs typeface="DejaVu Math TeX Gyre" panose="02000503000000000000" charset="0"/>
+                              </a:rPr>
+                            </m:ctrlPr>
+                          </m:sSubSupPr>
+                          <m:e>
+                            <m:r>
+                              <a:rPr lang="en-US" altLang="zh-CN" i="1">
+                                <a:latin typeface="DejaVu Math TeX Gyre" panose="02000503000000000000" charset="0"/>
+                                <a:cs typeface="DejaVu Math TeX Gyre" panose="02000503000000000000" charset="0"/>
+                              </a:rPr>
+                              <m:t>𝑓</m:t>
+                            </m:r>
+                          </m:e>
+                          <m:sub>
+                            <m:r>
+                              <a:rPr lang="en-US" altLang="zh-CN" i="1">
+                                <a:latin typeface="DejaVu Math TeX Gyre" panose="02000503000000000000" charset="0"/>
+                                <a:cs typeface="DejaVu Math TeX Gyre" panose="02000503000000000000" charset="0"/>
+                              </a:rPr>
+                              <m:t>𝑚𝑎𝑥</m:t>
+                            </m:r>
+                          </m:sub>
+                          <m:sup>
+                            <m:r>
+                              <a:rPr lang="en-US" altLang="zh-CN" i="1">
+                                <a:latin typeface="DejaVu Math TeX Gyre" panose="02000503000000000000" charset="0"/>
+                                <a:cs typeface="DejaVu Math TeX Gyre" panose="02000503000000000000" charset="0"/>
+                              </a:rPr>
+                              <m:t>𝑁</m:t>
+                            </m:r>
+                          </m:sup>
+                        </m:sSubSup>
+                      </m:e>
+                    </m:nary>
+                  </m:oMath>
+                </a14:m>
+                <a:r>
+                  <a:rPr lang="en-US" altLang="zh-CN" i="1">
+                    <a:latin typeface="DejaVu Math TeX Gyre" panose="02000503000000000000" charset="0"/>
+                    <a:cs typeface="DejaVu Math TeX Gyre" panose="02000503000000000000" charset="0"/>
+                  </a:rPr>
+                  <a:t>）/N</a:t>
+                </a:r>
+                <a:endParaRPr lang="zh-CN" altLang="en-US" i="1">
+                  <a:latin typeface="DejaVu Math TeX Gyre" panose="02000503000000000000" charset="0"/>
+                  <a:cs typeface="DejaVu Math TeX Gyre" panose="02000503000000000000" charset="0"/>
+                </a:endParaRPr>
+              </a:p>
+            </p:txBody>
+          </p:sp>
+        </mc:Choice>
+        <mc:Fallback>
+          <p:sp>
+            <p:nvSpPr>
+              <p:cNvPr id="8" name="文本框 7"/>
+              <p:cNvSpPr txBox="1">
+                <a:spLocks noRot="1" noChangeAspect="1" noMove="1" noResize="1" noEditPoints="1" noAdjustHandles="1" noChangeArrowheads="1" noChangeShapeType="1" noTextEdit="1"/>
+              </p:cNvSpPr>
+              <p:nvPr/>
+            </p:nvSpPr>
+            <p:spPr>
+              <a:xfrm>
+                <a:off x="1861757" y="1519809"/>
+                <a:ext cx="3105150" cy="471170"/>
+              </a:xfrm>
+              <a:prstGeom prst="rect">
+                <a:avLst/>
+              </a:prstGeom>
+              <a:blipFill rotWithShape="1">
+                <a:blip r:embed="rId2"/>
+                <a:stretch>
+                  <a:fillRect l="-18" t="-54" r="18" b="54"/>
+                </a:stretch>
+              </a:blipFill>
+            </p:spPr>
+            <p:txBody>
+              <a:bodyPr/>
+              <a:lstStyle/>
+              <a:p>
+                <a:r>
+                  <a:rPr lang="zh-CN" altLang="en-US">
+                    <a:noFill/>
+                  </a:rPr>
+                  <a:t> </a:t>
+                </a:r>
+              </a:p>
+            </p:txBody>
+          </p:sp>
+        </mc:Fallback>
+      </mc:AlternateContent>
+      <mc:AlternateContent xmlns:mc="http://schemas.openxmlformats.org/markup-compatibility/2006">
+        <mc:Choice xmlns:a14="http://schemas.microsoft.com/office/drawing/2010/main" Requires="a14">
+          <p:sp>
+            <p:nvSpPr>
+              <p:cNvPr id="9" name="文本框 8"/>
+              <p:cNvSpPr txBox="1"/>
+              <p:nvPr/>
+            </p:nvSpPr>
+            <p:spPr>
+              <a:xfrm>
+                <a:off x="1243965" y="843280"/>
+                <a:ext cx="8918575" cy="3199765"/>
+              </a:xfrm>
+              <a:prstGeom prst="rect">
+                <a:avLst/>
+              </a:prstGeom>
+              <a:noFill/>
+            </p:spPr>
+            <p:txBody>
+              <a:bodyPr wrap="square" rtlCol="0">
+                <a:spAutoFit/>
+              </a:bodyPr>
+              <a:p>
+                <a:pPr indent="0">
+                  <a:buFont typeface="Arial" panose="020B0704020202020204" pitchFamily="34" charset="0"/>
+                  <a:buNone/>
+                </a:pPr>
+                <a:endParaRPr lang="zh-CN" altLang="en-US" sz="2000">
+                  <a:latin typeface="楷体" charset="0"/>
+                  <a:ea typeface="楷体" charset="0"/>
+                  <a:cs typeface="楷体" charset="0"/>
+                </a:endParaRPr>
+              </a:p>
+              <a:p>
+                <a:pPr marL="342900" indent="-342900">
+                  <a:buFont typeface="Arial" panose="020B0704020202020204" pitchFamily="34" charset="0"/>
+                  <a:buChar char="•"/>
+                </a:pPr>
+                <a:r>
+                  <a:rPr lang="zh-CN" altLang="en-US" sz="2000">
+                    <a:latin typeface="楷体" charset="0"/>
+                    <a:ea typeface="楷体" charset="0"/>
+                    <a:cs typeface="楷体" charset="0"/>
+                  </a:rPr>
+                  <a:t>通过指标来判断算法是否收敛</a:t>
+                </a:r>
+                <a:r>
+                  <a:rPr lang="en-US" altLang="zh-CN" sz="2000">
+                    <a:latin typeface="楷体" charset="0"/>
+                    <a:ea typeface="楷体" charset="0"/>
+                    <a:cs typeface="楷体" charset="0"/>
+                  </a:rPr>
+                  <a:t>：</a:t>
+                </a:r>
+                <a:endParaRPr lang="en-US" altLang="zh-CN" sz="2000">
+                  <a:latin typeface="楷体" charset="0"/>
+                  <a:ea typeface="楷体" charset="0"/>
+                  <a:cs typeface="楷体" charset="0"/>
+                </a:endParaRPr>
+              </a:p>
+              <a:p>
+                <a:pPr marL="342900" indent="-342900">
+                  <a:buFont typeface="Arial" panose="020B0704020202020204" pitchFamily="34" charset="0"/>
+                  <a:buChar char="•"/>
+                </a:pPr>
+                <a:endParaRPr lang="en-US" altLang="zh-CN" sz="2000">
+                  <a:latin typeface="楷体" charset="0"/>
+                  <a:ea typeface="楷体" charset="0"/>
+                  <a:cs typeface="楷体" charset="0"/>
+                </a:endParaRPr>
+              </a:p>
+              <a:p>
+                <a:pPr marL="342900" indent="-342900">
+                  <a:buFont typeface="Arial" panose="020B0704020202020204" pitchFamily="34" charset="0"/>
+                  <a:buChar char="•"/>
+                </a:pPr>
+                <a:endParaRPr lang="en-US" altLang="zh-CN" sz="2000">
+                  <a:latin typeface="楷体" charset="0"/>
+                  <a:ea typeface="楷体" charset="0"/>
+                  <a:cs typeface="楷体" charset="0"/>
+                </a:endParaRPr>
+              </a:p>
+              <a:p>
+                <a:pPr marL="342900" indent="-342900">
+                  <a:buFont typeface="Arial" panose="020B0704020202020204" pitchFamily="34" charset="0"/>
+                  <a:buChar char="•"/>
+                </a:pPr>
+                <a:endParaRPr lang="en-US" altLang="zh-CN" sz="2000">
+                  <a:latin typeface="楷体" charset="0"/>
+                  <a:ea typeface="楷体" charset="0"/>
+                  <a:cs typeface="楷体" charset="0"/>
+                </a:endParaRPr>
+              </a:p>
+              <a:p>
+                <a:pPr marL="342900" indent="-342900">
+                  <a:buFont typeface="Arial" panose="020B0704020202020204" pitchFamily="34" charset="0"/>
+                  <a:buChar char="•"/>
+                </a:pPr>
+                <a:r>
+                  <a:rPr lang="zh-CN" altLang="en-US" sz="2000">
+                    <a:latin typeface="楷体" charset="0"/>
+                    <a:ea typeface="楷体" charset="0"/>
+                    <a:cs typeface="楷体" charset="0"/>
+                  </a:rPr>
+                  <a:t>在早期搜索过程中，</a:t>
+                </a:r>
+                <a:r>
+                  <a:rPr lang="en-US" altLang="zh-CN" sz="2000">
+                    <a:latin typeface="宋体" charset="0"/>
+                    <a:ea typeface="宋体" charset="0"/>
+                    <a:cs typeface="Big Caslon" panose="02000603090000020003" charset="0"/>
+                  </a:rPr>
+                  <a:t>F( N )</a:t>
+                </a:r>
+                <a:r>
+                  <a:rPr lang="zh-CN" altLang="en-US" sz="2000">
+                    <a:latin typeface="楷体" charset="0"/>
+                    <a:ea typeface="楷体" charset="0"/>
+                    <a:cs typeface="楷体" charset="0"/>
+                  </a:rPr>
+                  <a:t>会随着</a:t>
+                </a:r>
+                <a:r>
+                  <a:rPr lang="en-US" altLang="zh-CN" sz="2000">
+                    <a:latin typeface="楷体" charset="0"/>
+                    <a:ea typeface="楷体" charset="0"/>
+                    <a:cs typeface="楷体" charset="0"/>
+                  </a:rPr>
+                  <a:t> </a:t>
+                </a:r>
+                <a:r>
+                  <a:rPr lang="en-US" altLang="zh-CN" sz="2000">
+                    <a:latin typeface="宋体" charset="0"/>
+                    <a:ea typeface="宋体" charset="0"/>
+                    <a:cs typeface="楷体" charset="0"/>
+                  </a:rPr>
+                  <a:t>N </a:t>
+                </a:r>
+                <a:r>
+                  <a:rPr lang="zh-CN" altLang="en-US" sz="2000">
+                    <a:latin typeface="楷体" charset="0"/>
+                    <a:ea typeface="楷体" charset="0"/>
+                    <a:cs typeface="楷体" charset="0"/>
+                  </a:rPr>
+                  <a:t>的增加而增加。在搜索后期，曲线逐渐平缓，</a:t>
+                </a:r>
+                <a:r>
+                  <a:rPr lang="en-US" altLang="zh-CN" sz="2000">
+                    <a:latin typeface="楷体" charset="0"/>
+                    <a:ea typeface="楷体" charset="0"/>
+                    <a:cs typeface="楷体" charset="0"/>
+                  </a:rPr>
+                  <a:t> </a:t>
+                </a:r>
+                <a:r>
+                  <a:rPr lang="zh-CN" altLang="en-US" sz="2000">
+                    <a:latin typeface="楷体" charset="0"/>
+                    <a:ea typeface="楷体" charset="0"/>
+                    <a:cs typeface="楷体" charset="0"/>
+                  </a:rPr>
+                  <a:t>最终趋向收敛值。</a:t>
+                </a:r>
+                <a:endParaRPr lang="zh-CN" altLang="en-US" sz="2000">
+                  <a:latin typeface="楷体" charset="0"/>
+                  <a:ea typeface="楷体" charset="0"/>
+                  <a:cs typeface="楷体" charset="0"/>
+                </a:endParaRPr>
+              </a:p>
+              <a:p>
+                <a:pPr marL="342900" indent="-342900">
+                  <a:buFont typeface="Arial" panose="020B0704020202020204" pitchFamily="34" charset="0"/>
+                  <a:buChar char="•"/>
+                </a:pPr>
+                <a:endParaRPr lang="zh-CN" altLang="en-US" sz="2000">
+                  <a:latin typeface="楷体" charset="0"/>
+                  <a:ea typeface="楷体" charset="0"/>
+                  <a:cs typeface="楷体" charset="0"/>
+                </a:endParaRPr>
+              </a:p>
+              <a:p>
+                <a:pPr marL="342900" indent="-342900">
+                  <a:buFont typeface="Arial" panose="020B0704020202020204" pitchFamily="34" charset="0"/>
+                  <a:buChar char="•"/>
+                </a:pPr>
+                <a:r>
+                  <a:rPr lang="zh-CN" altLang="en-US" sz="2000">
+                    <a:latin typeface="楷体" charset="0"/>
+                    <a:ea typeface="楷体" charset="0"/>
+                    <a:cs typeface="楷体" charset="0"/>
+                  </a:rPr>
+                  <a:t>设定一个极小的正数</a:t>
+                </a:r>
+                <a:r>
+                  <a:rPr lang="en-US" altLang="zh-CN" sz="2000">
+                    <a:latin typeface="楷体" charset="0"/>
+                    <a:ea typeface="楷体" charset="0"/>
+                    <a:cs typeface="楷体" charset="0"/>
+                  </a:rPr>
+                  <a:t> ε=1.0</a:t>
+                </a:r>
+                <a:r>
+                  <a:rPr lang="en-US" altLang="en-US" sz="2000">
+                    <a:latin typeface="楷体" charset="0"/>
+                    <a:ea typeface="楷体" charset="0"/>
+                    <a:cs typeface="楷体" charset="0"/>
+                  </a:rPr>
+                  <a:t>×</a:t>
+                </a:r>
+                <a14:m>
+                  <m:oMath xmlns:m="http://schemas.openxmlformats.org/officeDocument/2006/math">
+                    <m:sSup>
+                      <m:sSupPr>
+                        <m:ctrlPr>
+                          <a:rPr lang="en-US" altLang="en-US" sz="2000" i="1">
+                            <a:latin typeface="DejaVu Math TeX Gyre" panose="02000503000000000000" charset="0"/>
+                            <a:ea typeface="楷体" charset="0"/>
+                            <a:cs typeface="DejaVu Math TeX Gyre" panose="02000503000000000000" charset="0"/>
+                          </a:rPr>
+                        </m:ctrlPr>
+                      </m:sSupPr>
+                      <m:e>
+                        <m:r>
+                          <a:rPr lang="en-US" altLang="en-US" sz="2000" i="1">
+                            <a:latin typeface="DejaVu Math TeX Gyre" panose="02000503000000000000" charset="0"/>
+                            <a:ea typeface="楷体" charset="0"/>
+                            <a:cs typeface="DejaVu Math TeX Gyre" panose="02000503000000000000" charset="0"/>
+                          </a:rPr>
+                          <m:t>10</m:t>
+                        </m:r>
+                      </m:e>
+                      <m:sup>
+                        <m:r>
+                          <a:rPr lang="en-US" altLang="en-US" sz="2000" i="1">
+                            <a:latin typeface="DejaVu Math TeX Gyre" panose="02000503000000000000" charset="0"/>
+                            <a:ea typeface="楷体" charset="0"/>
+                            <a:cs typeface="DejaVu Math TeX Gyre" panose="02000503000000000000" charset="0"/>
+                          </a:rPr>
+                          <m:t>−</m:t>
+                        </m:r>
+                        <m:r>
+                          <a:rPr lang="en-US" altLang="en-US" sz="2000" i="1">
+                            <a:latin typeface="DejaVu Math TeX Gyre" panose="02000503000000000000" charset="0"/>
+                            <a:ea typeface="楷体" charset="0"/>
+                            <a:cs typeface="DejaVu Math TeX Gyre" panose="02000503000000000000" charset="0"/>
+                          </a:rPr>
+                          <m:t>7</m:t>
+                        </m:r>
+                      </m:sup>
+                    </m:sSup>
+                  </m:oMath>
+                </a14:m>
+                <a:r>
+                  <a:rPr lang="zh-CN" altLang="en-US" sz="2000">
+                    <a:latin typeface="楷体" charset="0"/>
+                    <a:ea typeface="楷体" charset="0"/>
+                    <a:cs typeface="楷体" charset="0"/>
+                  </a:rPr>
+                  <a:t>，当</a:t>
+                </a:r>
+                <a:r>
+                  <a:rPr lang="en-US" altLang="zh-CN" sz="2000">
+                    <a:latin typeface="楷体" charset="0"/>
+                    <a:ea typeface="楷体" charset="0"/>
+                    <a:cs typeface="楷体" charset="0"/>
+                  </a:rPr>
+                  <a:t>∣F (N+1)− F(</a:t>
+                </a:r>
+                <a:r>
+                  <a:rPr lang="en-US" altLang="zh-CN" sz="2000">
+                    <a:latin typeface="楷体" charset="0"/>
+                    <a:ea typeface="楷体" charset="0"/>
+                    <a:cs typeface="楷体" charset="0"/>
+                  </a:rPr>
+                  <a:t>N)∣&lt;ε</a:t>
+                </a:r>
+                <a:r>
+                  <a:rPr lang="zh-CN" altLang="en-US" sz="2000">
+                    <a:latin typeface="楷体" charset="0"/>
+                    <a:ea typeface="楷体" charset="0"/>
+                    <a:cs typeface="楷体" charset="0"/>
+                  </a:rPr>
+                  <a:t>时，就认为算法已经收敛，结束遗传循环过程。</a:t>
+                </a:r>
+                <a:endParaRPr lang="zh-CN" altLang="en-US" sz="2000">
+                  <a:latin typeface="楷体" charset="0"/>
+                  <a:ea typeface="楷体" charset="0"/>
+                  <a:cs typeface="楷体" charset="0"/>
+                </a:endParaRPr>
+              </a:p>
+            </p:txBody>
+          </p:sp>
+        </mc:Choice>
+        <mc:Fallback>
+          <p:sp>
+            <p:nvSpPr>
+              <p:cNvPr id="9" name="文本框 8"/>
+              <p:cNvSpPr txBox="1">
+                <a:spLocks noRot="1" noChangeAspect="1" noMove="1" noResize="1" noEditPoints="1" noAdjustHandles="1" noChangeArrowheads="1" noChangeShapeType="1" noTextEdit="1"/>
+              </p:cNvSpPr>
+              <p:nvPr/>
+            </p:nvSpPr>
+            <p:spPr>
+              <a:xfrm>
+                <a:off x="1243965" y="843280"/>
+                <a:ext cx="8918575" cy="3199765"/>
+              </a:xfrm>
+              <a:prstGeom prst="rect">
+                <a:avLst/>
+              </a:prstGeom>
+              <a:blipFill rotWithShape="1">
+                <a:blip r:embed="rId3"/>
+                <a:stretch>
+                  <a:fillRect/>
+                </a:stretch>
+              </a:blipFill>
+            </p:spPr>
+            <p:txBody>
+              <a:bodyPr/>
+              <a:lstStyle/>
+              <a:p>
+                <a:r>
+                  <a:rPr lang="zh-CN" altLang="en-US">
+                    <a:noFill/>
+                  </a:rPr>
+                  <a:t> </a:t>
+                </a:r>
+              </a:p>
+            </p:txBody>
+          </p:sp>
+        </mc:Fallback>
+      </mc:AlternateContent>
     </p:spTree>
     <p:custDataLst>
-      <p:tags r:id="rId3"/>
+      <p:tags r:id="rId4"/>
     </p:custDataLst>
   </p:cSld>
   <p:clrMapOvr>
@@ -44256,50 +45418,6 @@
         <p:nvPr/>
       </p:nvGrpSpPr>
       <p:grpSpPr/>
-      <p:pic>
-        <p:nvPicPr>
-          <p:cNvPr id="6" name="图片 5"/>
-          <p:cNvPicPr/>
-          <p:nvPr/>
-        </p:nvPicPr>
-        <p:blipFill>
-          <a:blip r:embed="rId1"/>
-          <a:stretch>
-            <a:fillRect/>
-          </a:stretch>
-        </p:blipFill>
-        <p:spPr>
-          <a:xfrm>
-            <a:off x="0" y="278765"/>
-            <a:ext cx="4768215" cy="3437890"/>
-          </a:xfrm>
-          <a:prstGeom prst="rect">
-            <a:avLst/>
-          </a:prstGeom>
-        </p:spPr>
-      </p:pic>
-      <p:pic>
-        <p:nvPicPr>
-          <p:cNvPr id="8" name="图片 7"/>
-          <p:cNvPicPr/>
-          <p:nvPr/>
-        </p:nvPicPr>
-        <p:blipFill>
-          <a:blip r:embed="rId2"/>
-          <a:stretch>
-            <a:fillRect/>
-          </a:stretch>
-        </p:blipFill>
-        <p:spPr>
-          <a:xfrm>
-            <a:off x="4946015" y="0"/>
-            <a:ext cx="7245985" cy="4224655"/>
-          </a:xfrm>
-          <a:prstGeom prst="rect">
-            <a:avLst/>
-          </a:prstGeom>
-        </p:spPr>
-      </p:pic>
       <p:sp>
         <p:nvSpPr>
           <p:cNvPr id="9" name="文本框 8"/>
@@ -44308,8 +45426,8 @@
         </p:nvSpPr>
         <p:spPr>
           <a:xfrm>
-            <a:off x="2237740" y="4631690"/>
-            <a:ext cx="5419725" cy="922020"/>
+            <a:off x="1087120" y="660400"/>
+            <a:ext cx="9099550" cy="5846445"/>
           </a:xfrm>
           <a:prstGeom prst="rect">
             <a:avLst/>
@@ -44326,21 +45444,89 @@
               <a:buChar char="•"/>
             </a:pPr>
             <a:r>
-              <a:rPr lang="zh-CN" altLang="en-US"/>
-              <a:t>输入论文中的网络</a:t>
+              <a:rPr lang="zh-CN" altLang="en-US">
+                <a:latin typeface="楷体" charset="0"/>
+                <a:ea typeface="楷体" charset="0"/>
+              </a:rPr>
+              <a:t>针对基础遗传算法和随机</a:t>
             </a:r>
             <a:r>
-              <a:rPr lang="zh-CN" altLang="en-US"/>
-              <a:t>参数</a:t>
+              <a:rPr lang="en-US" altLang="zh-CN">
+                <a:latin typeface="楷体" charset="0"/>
+                <a:ea typeface="楷体" charset="0"/>
+              </a:rPr>
+              <a:t>Djikstra</a:t>
             </a:r>
-            <a:endParaRPr lang="zh-CN" altLang="en-US"/>
+            <a:r>
+              <a:rPr lang="zh-CN" altLang="en-US">
+                <a:latin typeface="楷体" charset="0"/>
+                <a:ea typeface="楷体" charset="0"/>
+              </a:rPr>
+              <a:t>遗传算法</a:t>
+            </a:r>
+            <a:r>
+              <a:rPr lang="en-US" altLang="zh-CN">
+                <a:latin typeface="楷体" charset="0"/>
+                <a:ea typeface="楷体" charset="0"/>
+              </a:rPr>
+              <a:t>，</a:t>
+            </a:r>
+            <a:r>
+              <a:rPr lang="zh-CN" altLang="en-US">
+                <a:latin typeface="楷体" charset="0"/>
+                <a:ea typeface="楷体" charset="0"/>
+              </a:rPr>
+              <a:t>单次运行的结果由于初始化种群的随机性</a:t>
+            </a:r>
+            <a:r>
+              <a:rPr lang="en-US" altLang="zh-CN">
+                <a:latin typeface="楷体" charset="0"/>
+                <a:ea typeface="楷体" charset="0"/>
+              </a:rPr>
+              <a:t>，</a:t>
+            </a:r>
+            <a:r>
+              <a:rPr lang="zh-CN" altLang="en-US">
+                <a:latin typeface="楷体" charset="0"/>
+                <a:ea typeface="楷体" charset="0"/>
+              </a:rPr>
+              <a:t>收敛速度也具有一定的随机性</a:t>
+            </a:r>
+            <a:r>
+              <a:rPr lang="en-US" altLang="zh-CN">
+                <a:latin typeface="楷体" charset="0"/>
+                <a:ea typeface="楷体" charset="0"/>
+              </a:rPr>
+              <a:t>，</a:t>
+            </a:r>
+            <a:r>
+              <a:rPr lang="zh-CN" altLang="en-US">
+                <a:latin typeface="楷体" charset="0"/>
+                <a:ea typeface="楷体" charset="0"/>
+              </a:rPr>
+              <a:t>在测试多种网络后</a:t>
+            </a:r>
+            <a:r>
+              <a:rPr lang="zh-CN" altLang="en-US">
+                <a:latin typeface="楷体" charset="0"/>
+                <a:ea typeface="楷体" charset="0"/>
+              </a:rPr>
+              <a:t>发现三种最短路径模型下单次运行的结果往往不能复现</a:t>
+            </a:r>
+            <a:endParaRPr lang="zh-CN" altLang="en-US">
+              <a:latin typeface="楷体" charset="0"/>
+              <a:ea typeface="楷体" charset="0"/>
+            </a:endParaRPr>
           </a:p>
           <a:p>
             <a:pPr marL="285750" indent="-285750">
               <a:buFont typeface="Arial" panose="020B0704020202020204" pitchFamily="34" charset="0"/>
               <a:buChar char="•"/>
             </a:pPr>
-            <a:endParaRPr lang="zh-CN" altLang="en-US"/>
+            <a:endParaRPr lang="en-US" altLang="zh-CN">
+              <a:latin typeface="楷体" charset="0"/>
+              <a:ea typeface="楷体" charset="0"/>
+            </a:endParaRPr>
           </a:p>
           <a:p>
             <a:pPr marL="285750" indent="-285750">
@@ -44348,33 +45534,1345 @@
               <a:buChar char="•"/>
             </a:pPr>
             <a:r>
-              <a:rPr lang="zh-CN" altLang="en-US"/>
-              <a:t>运行算法</a:t>
+              <a:rPr lang="zh-CN" altLang="en-US">
+                <a:latin typeface="楷体" charset="0"/>
+                <a:ea typeface="楷体" charset="0"/>
+              </a:rPr>
+              <a:t>在相同条件下统计两个算法</a:t>
             </a:r>
             <a:r>
-              <a:rPr lang="en-US" altLang="zh-CN"/>
+              <a:rPr lang="en-US" altLang="zh-CN">
+                <a:latin typeface="楷体" charset="0"/>
+                <a:ea typeface="楷体" charset="0"/>
+              </a:rPr>
+              <a:t>100</a:t>
+            </a:r>
+            <a:r>
+              <a:rPr lang="zh-CN" altLang="en-US">
+                <a:latin typeface="楷体" charset="0"/>
+                <a:ea typeface="楷体" charset="0"/>
+              </a:rPr>
+              <a:t>次运行寻找最短路径的收敛代数结果</a:t>
+            </a:r>
+            <a:r>
+              <a:rPr lang="en-US" altLang="zh-CN">
+                <a:latin typeface="楷体" charset="0"/>
+                <a:ea typeface="楷体" charset="0"/>
+              </a:rPr>
+              <a:t>：</a:t>
+            </a:r>
+            <a:endParaRPr lang="en-US" altLang="zh-CN">
+              <a:latin typeface="楷体" charset="0"/>
+              <a:ea typeface="楷体" charset="0"/>
+            </a:endParaRPr>
+          </a:p>
+          <a:p>
+            <a:pPr indent="0">
+              <a:buFont typeface="Arial" panose="020B0704020202020204" pitchFamily="34" charset="0"/>
+              <a:buNone/>
+            </a:pPr>
+            <a:endParaRPr lang="en-US" altLang="zh-CN" sz="1600">
+              <a:latin typeface="楷体" charset="0"/>
+              <a:ea typeface="楷体" charset="0"/>
+            </a:endParaRPr>
+          </a:p>
+          <a:p>
+            <a:pPr indent="0">
+              <a:buFont typeface="Arial" panose="020B0704020202020204" pitchFamily="34" charset="0"/>
+              <a:buNone/>
+            </a:pPr>
+            <a:endParaRPr lang="en-US" altLang="zh-CN" sz="1600">
+              <a:latin typeface="楷体" charset="0"/>
+              <a:ea typeface="楷体" charset="0"/>
+            </a:endParaRPr>
+          </a:p>
+          <a:p>
+            <a:pPr indent="0">
+              <a:buFont typeface="Arial" panose="020B0704020202020204" pitchFamily="34" charset="0"/>
+              <a:buNone/>
+            </a:pPr>
+            <a:endParaRPr lang="en-US" altLang="zh-CN" sz="1600">
+              <a:latin typeface="楷体" charset="0"/>
+              <a:ea typeface="楷体" charset="0"/>
+            </a:endParaRPr>
+          </a:p>
+          <a:p>
+            <a:pPr indent="0">
+              <a:buFont typeface="Arial" panose="020B0704020202020204" pitchFamily="34" charset="0"/>
+              <a:buNone/>
+            </a:pPr>
+            <a:endParaRPr lang="en-US" altLang="zh-CN" sz="1600">
+              <a:latin typeface="楷体" charset="0"/>
+              <a:ea typeface="楷体" charset="0"/>
+            </a:endParaRPr>
+          </a:p>
+          <a:p>
+            <a:pPr indent="0">
+              <a:buFont typeface="Arial" panose="020B0704020202020204" pitchFamily="34" charset="0"/>
+              <a:buNone/>
+            </a:pPr>
+            <a:endParaRPr lang="en-US" altLang="zh-CN" sz="1600">
+              <a:latin typeface="楷体" charset="0"/>
+              <a:ea typeface="楷体" charset="0"/>
+            </a:endParaRPr>
+          </a:p>
+          <a:p>
+            <a:pPr indent="0">
+              <a:buFont typeface="Arial" panose="020B0704020202020204" pitchFamily="34" charset="0"/>
+              <a:buNone/>
+            </a:pPr>
+            <a:endParaRPr lang="en-US" altLang="zh-CN" sz="1600">
+              <a:latin typeface="楷体" charset="0"/>
+              <a:ea typeface="楷体" charset="0"/>
+            </a:endParaRPr>
+          </a:p>
+          <a:p>
+            <a:pPr indent="0">
+              <a:buFont typeface="Arial" panose="020B0704020202020204" pitchFamily="34" charset="0"/>
+              <a:buNone/>
+            </a:pPr>
+            <a:endParaRPr lang="en-US" altLang="zh-CN" sz="1600">
+              <a:latin typeface="楷体" charset="0"/>
+              <a:ea typeface="楷体" charset="0"/>
+            </a:endParaRPr>
+          </a:p>
+          <a:p>
+            <a:pPr indent="0">
+              <a:buFont typeface="Arial" panose="020B0704020202020204" pitchFamily="34" charset="0"/>
+              <a:buNone/>
+            </a:pPr>
+            <a:endParaRPr lang="en-US" altLang="zh-CN" sz="1600">
+              <a:latin typeface="楷体" charset="0"/>
+              <a:ea typeface="楷体" charset="0"/>
+            </a:endParaRPr>
+          </a:p>
+          <a:p>
+            <a:pPr indent="0">
+              <a:buFont typeface="Arial" panose="020B0704020202020204" pitchFamily="34" charset="0"/>
+              <a:buNone/>
+            </a:pPr>
+            <a:endParaRPr lang="en-US" altLang="zh-CN" sz="1600">
+              <a:latin typeface="楷体" charset="0"/>
+              <a:ea typeface="楷体" charset="0"/>
+            </a:endParaRPr>
+          </a:p>
+          <a:p>
+            <a:pPr marL="285750" indent="-285750">
+              <a:buFont typeface="Arial" panose="020B0704020202020204" pitchFamily="34" charset="0"/>
+              <a:buChar char="•"/>
+            </a:pPr>
+            <a:r>
+              <a:rPr lang="zh-CN" altLang="en-US">
+                <a:latin typeface="楷体" charset="0"/>
+                <a:ea typeface="楷体" charset="0"/>
+              </a:rPr>
+              <a:t>在上述运行过程中</a:t>
+            </a:r>
+            <a:r>
+              <a:rPr lang="en-US" altLang="zh-CN">
+                <a:latin typeface="楷体" charset="0"/>
+                <a:ea typeface="楷体" charset="0"/>
+              </a:rPr>
               <a:t>，</a:t>
             </a:r>
             <a:r>
-              <a:rPr lang="zh-CN" altLang="en-US"/>
-              <a:t>得出</a:t>
+              <a:rPr lang="zh-CN" altLang="en-US">
+                <a:latin typeface="楷体" charset="0"/>
+                <a:ea typeface="楷体" charset="0"/>
+              </a:rPr>
+              <a:t>两种算法均能找到相同的最短路径</a:t>
+            </a:r>
+            <a:endParaRPr lang="zh-CN" altLang="en-US">
+              <a:latin typeface="楷体" charset="0"/>
+              <a:ea typeface="楷体" charset="0"/>
+            </a:endParaRPr>
+          </a:p>
+          <a:p>
+            <a:pPr marL="285750" indent="-285750">
+              <a:buFont typeface="Arial" panose="020B0704020202020204" pitchFamily="34" charset="0"/>
+              <a:buChar char="•"/>
+            </a:pPr>
+            <a:endParaRPr lang="zh-CN" altLang="en-US">
+              <a:latin typeface="楷体" charset="0"/>
+              <a:ea typeface="楷体" charset="0"/>
+            </a:endParaRPr>
+          </a:p>
+          <a:p>
+            <a:pPr marL="285750" indent="-285750">
+              <a:buFont typeface="Arial" panose="020B0704020202020204" pitchFamily="34" charset="0"/>
+              <a:buChar char="•"/>
+            </a:pPr>
+            <a:r>
+              <a:rPr lang="zh-CN" altLang="en-US">
+                <a:latin typeface="楷体" charset="0"/>
+                <a:ea typeface="楷体" charset="0"/>
+              </a:rPr>
+              <a:t>但对比不显著</a:t>
             </a:r>
             <a:r>
-              <a:rPr lang="zh-CN" altLang="en-US"/>
-              <a:t>结果</a:t>
+              <a:rPr lang="en-US" altLang="zh-CN">
+                <a:latin typeface="楷体" charset="0"/>
+                <a:ea typeface="楷体" charset="0"/>
+              </a:rPr>
+              <a:t>，</a:t>
             </a:r>
-            <a:endParaRPr lang="zh-CN" altLang="en-US"/>
+            <a:r>
+              <a:rPr lang="zh-CN" altLang="en-US">
+                <a:latin typeface="楷体" charset="0"/>
+                <a:ea typeface="楷体" charset="0"/>
+              </a:rPr>
+              <a:t>推测可能的原因</a:t>
+            </a:r>
+            <a:r>
+              <a:rPr lang="en-US" altLang="zh-CN">
+                <a:latin typeface="楷体" charset="0"/>
+                <a:ea typeface="楷体" charset="0"/>
+              </a:rPr>
+              <a:t>：</a:t>
+            </a:r>
+            <a:endParaRPr lang="en-US" altLang="zh-CN">
+              <a:latin typeface="楷体" charset="0"/>
+              <a:ea typeface="楷体" charset="0"/>
+            </a:endParaRPr>
+          </a:p>
+          <a:p>
+            <a:pPr marL="742950" lvl="1" indent="-285750">
+              <a:buFont typeface="Arial" panose="020B0704020202020204" pitchFamily="34" charset="0"/>
+              <a:buChar char="•"/>
+            </a:pPr>
+            <a:r>
+              <a:rPr lang="zh-CN" altLang="en-US">
+                <a:latin typeface="楷体" charset="0"/>
+                <a:ea typeface="楷体" charset="0"/>
+              </a:rPr>
+              <a:t>网络的拓扑结构并不复杂</a:t>
+            </a:r>
+            <a:r>
+              <a:rPr lang="en-US" altLang="zh-CN">
+                <a:latin typeface="楷体" charset="0"/>
+                <a:ea typeface="楷体" charset="0"/>
+              </a:rPr>
+              <a:t>、</a:t>
+            </a:r>
+            <a:r>
+              <a:rPr lang="zh-CN" altLang="en-US">
+                <a:latin typeface="楷体" charset="0"/>
+                <a:ea typeface="楷体" charset="0"/>
+              </a:rPr>
+              <a:t>弧长分布较均匀</a:t>
+            </a:r>
+            <a:endParaRPr lang="zh-CN" altLang="en-US">
+              <a:latin typeface="楷体" charset="0"/>
+              <a:ea typeface="楷体" charset="0"/>
+            </a:endParaRPr>
+          </a:p>
+          <a:p>
+            <a:pPr marL="742950" lvl="1" indent="-285750">
+              <a:buFont typeface="Arial" panose="020B0704020202020204" pitchFamily="34" charset="0"/>
+              <a:buChar char="•"/>
+            </a:pPr>
+            <a:r>
+              <a:rPr lang="zh-CN" altLang="en-US">
+                <a:latin typeface="楷体" charset="0"/>
+                <a:ea typeface="楷体" charset="0"/>
+              </a:rPr>
+              <a:t>算法本身逻辑相似</a:t>
+            </a:r>
+            <a:r>
+              <a:rPr lang="en-US" altLang="zh-CN">
+                <a:latin typeface="楷体" charset="0"/>
+                <a:ea typeface="楷体" charset="0"/>
+              </a:rPr>
+              <a:t>，</a:t>
+            </a:r>
+            <a:r>
+              <a:rPr lang="zh-CN" altLang="en-US">
+                <a:latin typeface="楷体" charset="0"/>
+                <a:ea typeface="楷体" charset="0"/>
+              </a:rPr>
+              <a:t>提升效果不明显</a:t>
+            </a:r>
+            <a:r>
+              <a:rPr lang="en-US" altLang="zh-CN">
+                <a:latin typeface="楷体" charset="0"/>
+                <a:ea typeface="楷体" charset="0"/>
+              </a:rPr>
+              <a:t> ————</a:t>
+            </a:r>
+            <a:r>
+              <a:rPr lang="zh-CN" altLang="en-US">
+                <a:latin typeface="楷体" charset="0"/>
+                <a:ea typeface="楷体" charset="0"/>
+              </a:rPr>
+              <a:t>留待后续在大规模网络</a:t>
+            </a:r>
+            <a:r>
+              <a:rPr lang="zh-CN" altLang="en-US">
+                <a:latin typeface="楷体" charset="0"/>
+                <a:ea typeface="楷体" charset="0"/>
+              </a:rPr>
+              <a:t>中进一步</a:t>
+            </a:r>
+            <a:r>
+              <a:rPr lang="zh-CN" altLang="en-US">
+                <a:latin typeface="楷体" charset="0"/>
+                <a:ea typeface="楷体" charset="0"/>
+              </a:rPr>
+              <a:t>实验验证</a:t>
+            </a:r>
+            <a:endParaRPr lang="zh-CN" altLang="en-US">
+              <a:latin typeface="楷体" charset="0"/>
+              <a:ea typeface="楷体" charset="0"/>
+            </a:endParaRPr>
+          </a:p>
+          <a:p>
+            <a:pPr indent="0">
+              <a:buFont typeface="Arial" panose="020B0704020202020204" pitchFamily="34" charset="0"/>
+              <a:buNone/>
+            </a:pPr>
+            <a:endParaRPr lang="en-US" altLang="zh-CN" sz="1600">
+              <a:latin typeface="楷体" charset="0"/>
+              <a:ea typeface="楷体" charset="0"/>
+            </a:endParaRPr>
+          </a:p>
+          <a:p>
+            <a:pPr indent="0">
+              <a:buFont typeface="Arial" panose="020B0704020202020204" pitchFamily="34" charset="0"/>
+              <a:buNone/>
+            </a:pPr>
+            <a:endParaRPr lang="en-US" altLang="zh-CN" sz="1600">
+              <a:latin typeface="楷体" charset="0"/>
+              <a:ea typeface="楷体" charset="0"/>
+            </a:endParaRPr>
+          </a:p>
+        </p:txBody>
+      </p:sp>
+      <p:pic>
+        <p:nvPicPr>
+          <p:cNvPr id="3" name="图片 2" descr="G:\2021\校庆\PPT\logo-08.pnglogo-08"/>
+          <p:cNvPicPr>
+            <a:picLocks noChangeAspect="1"/>
+          </p:cNvPicPr>
+          <p:nvPr/>
+        </p:nvPicPr>
+        <p:blipFill>
+          <a:blip r:embed="rId1"/>
+          <a:srcRect/>
+          <a:stretch>
+            <a:fillRect/>
+          </a:stretch>
+        </p:blipFill>
+        <p:spPr>
+          <a:xfrm rot="17197349" flipH="1">
+            <a:off x="392738" y="375972"/>
+            <a:ext cx="525802" cy="484314"/>
+          </a:xfrm>
+          <a:prstGeom prst="rect">
+            <a:avLst/>
+          </a:prstGeom>
+        </p:spPr>
+      </p:pic>
+      <p:graphicFrame>
+        <p:nvGraphicFramePr>
+          <p:cNvPr id="4" name="表格 3"/>
+          <p:cNvGraphicFramePr/>
+          <p:nvPr>
+            <p:custDataLst>
+              <p:tags r:id="rId2"/>
+            </p:custDataLst>
+          </p:nvPr>
+        </p:nvGraphicFramePr>
+        <p:xfrm>
+          <a:off x="462280" y="2324735"/>
+          <a:ext cx="5248275" cy="1409700"/>
+        </p:xfrm>
+        <a:graphic>
+          <a:graphicData uri="http://schemas.openxmlformats.org/drawingml/2006/table">
+            <a:tbl>
+              <a:tblPr firstRow="1" bandRow="1">
+                <a:tableStyleId>{BDBED569-4797-4DF1-A0F4-6AAB3CD982D8}</a:tableStyleId>
+              </a:tblPr>
+              <a:tblGrid>
+                <a:gridCol w="1749425"/>
+                <a:gridCol w="1749425"/>
+                <a:gridCol w="1749425"/>
+              </a:tblGrid>
+              <a:tr h="384810">
+                <a:tc>
+                  <a:txBody>
+                    <a:bodyPr/>
+                    <a:p>
+                      <a:pPr>
+                        <a:buNone/>
+                      </a:pPr>
+                      <a:r>
+                        <a:rPr lang="zh-CN" altLang="en-US" b="0">
+                          <a:latin typeface="楷体" charset="0"/>
+                          <a:ea typeface="楷体" charset="0"/>
+                        </a:rPr>
+                        <a:t>算法</a:t>
+                      </a:r>
+                      <a:endParaRPr lang="zh-CN" altLang="en-US" b="0">
+                        <a:latin typeface="楷体" charset="0"/>
+                        <a:ea typeface="楷体" charset="0"/>
+                      </a:endParaRPr>
+                    </a:p>
+                  </a:txBody>
+                  <a:tcPr/>
+                </a:tc>
+                <a:tc>
+                  <a:txBody>
+                    <a:bodyPr/>
+                    <a:p>
+                      <a:pPr>
+                        <a:buNone/>
+                      </a:pPr>
+                      <a:r>
+                        <a:rPr lang="zh-CN" altLang="en-US" b="0">
+                          <a:latin typeface="楷体" charset="0"/>
+                          <a:ea typeface="楷体" charset="0"/>
+                        </a:rPr>
+                        <a:t>收敛代数均值</a:t>
+                      </a:r>
+                      <a:endParaRPr lang="zh-CN" altLang="en-US" b="0">
+                        <a:latin typeface="楷体" charset="0"/>
+                        <a:ea typeface="楷体" charset="0"/>
+                      </a:endParaRPr>
+                    </a:p>
+                  </a:txBody>
+                  <a:tcPr/>
+                </a:tc>
+                <a:tc>
+                  <a:txBody>
+                    <a:bodyPr/>
+                    <a:p>
+                      <a:pPr>
+                        <a:buNone/>
+                      </a:pPr>
+                      <a:r>
+                        <a:rPr lang="zh-CN" altLang="en-US" b="0">
+                          <a:latin typeface="楷体" charset="0"/>
+                          <a:ea typeface="楷体" charset="0"/>
+                        </a:rPr>
+                        <a:t>标准差</a:t>
+                      </a:r>
+                      <a:endParaRPr lang="zh-CN" altLang="en-US" b="0">
+                        <a:latin typeface="楷体" charset="0"/>
+                        <a:ea typeface="楷体" charset="0"/>
+                      </a:endParaRPr>
+                    </a:p>
+                  </a:txBody>
+                  <a:tcPr/>
+                </a:tc>
+              </a:tr>
+              <a:tr h="396875">
+                <a:tc>
+                  <a:txBody>
+                    <a:bodyPr/>
+                    <a:p>
+                      <a:pPr>
+                        <a:buNone/>
+                      </a:pPr>
+                      <a:r>
+                        <a:rPr lang="zh-CN" altLang="en-US" b="0">
+                          <a:latin typeface="楷体" charset="0"/>
+                          <a:ea typeface="楷体" charset="0"/>
+                        </a:rPr>
+                        <a:t>随机</a:t>
+                      </a:r>
+                      <a:r>
+                        <a:rPr lang="en-US" altLang="zh-CN" b="0">
+                          <a:latin typeface="楷体" charset="0"/>
+                          <a:ea typeface="楷体" charset="0"/>
+                        </a:rPr>
+                        <a:t>Djikstra</a:t>
+                      </a:r>
+                      <a:r>
+                        <a:rPr lang="zh-CN" altLang="en-US" b="0">
+                          <a:latin typeface="楷体" charset="0"/>
+                          <a:ea typeface="楷体" charset="0"/>
+                        </a:rPr>
+                        <a:t>算法</a:t>
+                      </a:r>
+                      <a:endParaRPr lang="zh-CN" altLang="en-US" b="0">
+                        <a:latin typeface="楷体" charset="0"/>
+                        <a:ea typeface="楷体" charset="0"/>
+                      </a:endParaRPr>
+                    </a:p>
+                  </a:txBody>
+                  <a:tcPr/>
+                </a:tc>
+                <a:tc>
+                  <a:txBody>
+                    <a:bodyPr/>
+                    <a:p>
+                      <a:r>
+                        <a:rPr lang="en-US" altLang="zh-CN" sz="1100" b="0">
+                          <a:latin typeface="楷体" charset="0"/>
+                          <a:ea typeface="楷体" charset="0"/>
+                        </a:rPr>
+                        <a:t>   </a:t>
+                      </a:r>
+                      <a:r>
+                        <a:rPr lang="en-US" altLang="zh-CN" sz="2000" b="0">
+                          <a:latin typeface="楷体" charset="0"/>
+                          <a:ea typeface="楷体" charset="0"/>
+                        </a:rPr>
+                        <a:t>52.6</a:t>
+                      </a:r>
+                      <a:endParaRPr lang="en-US" altLang="zh-CN" sz="2000" b="0">
+                        <a:latin typeface="楷体" charset="0"/>
+                        <a:ea typeface="楷体" charset="0"/>
+                      </a:endParaRPr>
+                    </a:p>
+                  </a:txBody>
+                  <a:tcPr marL="0" marR="0" marT="0" marB="0" anchor="ctr" anchorCtr="0"/>
+                </a:tc>
+                <a:tc>
+                  <a:txBody>
+                    <a:bodyPr/>
+                    <a:p>
+                      <a:pPr>
+                        <a:lnSpc>
+                          <a:spcPct val="100000"/>
+                        </a:lnSpc>
+                        <a:buNone/>
+                      </a:pPr>
+                      <a:r>
+                        <a:rPr lang="en-US" altLang="zh-CN" sz="2000" b="0">
+                          <a:latin typeface="楷体" charset="0"/>
+                          <a:ea typeface="楷体" charset="0"/>
+                        </a:rPr>
+                        <a:t>26.08</a:t>
+                      </a:r>
+                      <a:endParaRPr lang="en-US" altLang="zh-CN" sz="2000" b="0">
+                        <a:latin typeface="楷体" charset="0"/>
+                        <a:ea typeface="楷体" charset="0"/>
+                      </a:endParaRPr>
+                    </a:p>
+                  </a:txBody>
+                  <a:tcPr/>
+                </a:tc>
+              </a:tr>
+              <a:tr h="384810">
+                <a:tc>
+                  <a:txBody>
+                    <a:bodyPr/>
+                    <a:p>
+                      <a:pPr algn="l">
+                        <a:buClrTx/>
+                        <a:buSzTx/>
+                        <a:buFontTx/>
+                        <a:buNone/>
+                      </a:pPr>
+                      <a:r>
+                        <a:rPr lang="zh-CN" altLang="en-US" sz="1800" b="0">
+                          <a:latin typeface="楷体" charset="0"/>
+                          <a:ea typeface="楷体" charset="0"/>
+                          <a:cs typeface="楷体" charset="0"/>
+                        </a:rPr>
+                        <a:t>基础遗传</a:t>
+                      </a:r>
+                      <a:r>
+                        <a:rPr lang="en-US" altLang="zh-CN" sz="1800" b="0">
+                          <a:latin typeface="楷体" charset="0"/>
+                          <a:ea typeface="楷体" charset="0"/>
+                          <a:cs typeface="楷体" charset="0"/>
+                        </a:rPr>
+                        <a:t>算法</a:t>
+                      </a:r>
+                      <a:endParaRPr lang="en-US" altLang="zh-CN" sz="1800" b="0">
+                        <a:latin typeface="楷体" charset="0"/>
+                        <a:ea typeface="楷体" charset="0"/>
+                        <a:cs typeface="楷体" charset="0"/>
+                      </a:endParaRPr>
+                    </a:p>
+                  </a:txBody>
+                  <a:tcPr/>
+                </a:tc>
+                <a:tc>
+                  <a:txBody>
+                    <a:bodyPr/>
+                    <a:p>
+                      <a:pPr algn="l">
+                        <a:buClrTx/>
+                        <a:buSzTx/>
+                        <a:buFontTx/>
+                      </a:pPr>
+                      <a:r>
+                        <a:rPr lang="en-US" altLang="zh-CN" sz="2000" b="0">
+                          <a:latin typeface="楷体" charset="0"/>
+                          <a:ea typeface="楷体" charset="0"/>
+                        </a:rPr>
+                        <a:t>  54.7</a:t>
+                      </a:r>
+                      <a:endParaRPr lang="en-US" altLang="zh-CN" sz="2000" b="0">
+                        <a:latin typeface="楷体" charset="0"/>
+                        <a:ea typeface="楷体" charset="0"/>
+                      </a:endParaRPr>
+                    </a:p>
+                  </a:txBody>
+                  <a:tcPr marL="0" marR="0" marT="0" marB="0" anchor="ctr" anchorCtr="0"/>
+                </a:tc>
+                <a:tc>
+                  <a:txBody>
+                    <a:bodyPr/>
+                    <a:p>
+                      <a:pPr algn="just">
+                        <a:buNone/>
+                      </a:pPr>
+                      <a:r>
+                        <a:rPr lang="en-US" altLang="zh-CN" sz="2000" b="0">
+                          <a:latin typeface="楷体" charset="0"/>
+                          <a:ea typeface="楷体" charset="0"/>
+                        </a:rPr>
+                        <a:t>27.01</a:t>
+                      </a:r>
+                      <a:endParaRPr lang="en-US" altLang="zh-CN" sz="2000" b="0">
+                        <a:latin typeface="楷体" charset="0"/>
+                        <a:ea typeface="楷体" charset="0"/>
+                      </a:endParaRPr>
+                    </a:p>
+                  </a:txBody>
+                  <a:tcPr/>
+                </a:tc>
+              </a:tr>
+            </a:tbl>
+          </a:graphicData>
+        </a:graphic>
+      </p:graphicFrame>
+      <p:graphicFrame>
+        <p:nvGraphicFramePr>
+          <p:cNvPr id="10" name="表格 9"/>
+          <p:cNvGraphicFramePr/>
+          <p:nvPr>
+            <p:custDataLst>
+              <p:tags r:id="rId3"/>
+            </p:custDataLst>
+          </p:nvPr>
+        </p:nvGraphicFramePr>
+        <p:xfrm>
+          <a:off x="6337300" y="2324735"/>
+          <a:ext cx="5158740" cy="1409700"/>
+        </p:xfrm>
+        <a:graphic>
+          <a:graphicData uri="http://schemas.openxmlformats.org/drawingml/2006/table">
+            <a:tbl>
+              <a:tblPr firstRow="1" bandRow="1">
+                <a:tableStyleId>{BDBED569-4797-4DF1-A0F4-6AAB3CD982D8}</a:tableStyleId>
+              </a:tblPr>
+              <a:tblGrid>
+                <a:gridCol w="1719580"/>
+                <a:gridCol w="1719580"/>
+                <a:gridCol w="1719580"/>
+              </a:tblGrid>
+              <a:tr h="384810">
+                <a:tc>
+                  <a:txBody>
+                    <a:bodyPr/>
+                    <a:p>
+                      <a:pPr>
+                        <a:buNone/>
+                      </a:pPr>
+                      <a:r>
+                        <a:rPr lang="zh-CN" altLang="en-US" b="0">
+                          <a:latin typeface="楷体" charset="0"/>
+                          <a:ea typeface="楷体" charset="0"/>
+                        </a:rPr>
+                        <a:t>算法</a:t>
+                      </a:r>
+                      <a:endParaRPr lang="zh-CN" altLang="en-US" b="0">
+                        <a:latin typeface="楷体" charset="0"/>
+                        <a:ea typeface="楷体" charset="0"/>
+                      </a:endParaRPr>
+                    </a:p>
+                  </a:txBody>
+                  <a:tcPr/>
+                </a:tc>
+                <a:tc>
+                  <a:txBody>
+                    <a:bodyPr/>
+                    <a:p>
+                      <a:pPr>
+                        <a:buNone/>
+                      </a:pPr>
+                      <a:r>
+                        <a:rPr lang="zh-CN" altLang="en-US" b="0">
+                          <a:latin typeface="楷体" charset="0"/>
+                          <a:ea typeface="楷体" charset="0"/>
+                        </a:rPr>
+                        <a:t>收敛代数均值</a:t>
+                      </a:r>
+                      <a:endParaRPr lang="zh-CN" altLang="en-US" b="0">
+                        <a:latin typeface="楷体" charset="0"/>
+                        <a:ea typeface="楷体" charset="0"/>
+                      </a:endParaRPr>
+                    </a:p>
+                  </a:txBody>
+                  <a:tcPr/>
+                </a:tc>
+                <a:tc>
+                  <a:txBody>
+                    <a:bodyPr/>
+                    <a:p>
+                      <a:pPr>
+                        <a:buNone/>
+                      </a:pPr>
+                      <a:r>
+                        <a:rPr lang="zh-CN" altLang="en-US" b="0">
+                          <a:latin typeface="楷体" charset="0"/>
+                          <a:ea typeface="楷体" charset="0"/>
+                        </a:rPr>
+                        <a:t>标准差</a:t>
+                      </a:r>
+                      <a:endParaRPr lang="zh-CN" altLang="en-US" b="0">
+                        <a:latin typeface="楷体" charset="0"/>
+                        <a:ea typeface="楷体" charset="0"/>
+                      </a:endParaRPr>
+                    </a:p>
+                  </a:txBody>
+                  <a:tcPr/>
+                </a:tc>
+              </a:tr>
+              <a:tr h="640080">
+                <a:tc>
+                  <a:txBody>
+                    <a:bodyPr/>
+                    <a:p>
+                      <a:pPr>
+                        <a:buNone/>
+                      </a:pPr>
+                      <a:r>
+                        <a:rPr lang="zh-CN" altLang="en-US" b="0">
+                          <a:latin typeface="楷体" charset="0"/>
+                          <a:ea typeface="楷体" charset="0"/>
+                        </a:rPr>
+                        <a:t>随机</a:t>
+                      </a:r>
+                      <a:r>
+                        <a:rPr lang="en-US" altLang="zh-CN" b="0">
+                          <a:latin typeface="楷体" charset="0"/>
+                          <a:ea typeface="楷体" charset="0"/>
+                        </a:rPr>
+                        <a:t>Djikstra</a:t>
+                      </a:r>
+                      <a:r>
+                        <a:rPr lang="zh-CN" altLang="en-US" b="0">
+                          <a:latin typeface="楷体" charset="0"/>
+                          <a:ea typeface="楷体" charset="0"/>
+                        </a:rPr>
+                        <a:t>算法</a:t>
+                      </a:r>
+                      <a:endParaRPr lang="zh-CN" altLang="en-US" b="0">
+                        <a:latin typeface="楷体" charset="0"/>
+                        <a:ea typeface="楷体" charset="0"/>
+                      </a:endParaRPr>
+                    </a:p>
+                  </a:txBody>
+                  <a:tcPr/>
+                </a:tc>
+                <a:tc>
+                  <a:txBody>
+                    <a:bodyPr/>
+                    <a:p>
+                      <a:r>
+                        <a:rPr lang="en-US" altLang="zh-CN" sz="2000" b="0">
+                          <a:latin typeface="楷体" charset="0"/>
+                          <a:ea typeface="楷体" charset="0"/>
+                        </a:rPr>
+                        <a:t>  51.88</a:t>
+                      </a:r>
+                      <a:endParaRPr lang="en-US" altLang="zh-CN" sz="2000" b="0">
+                        <a:latin typeface="楷体" charset="0"/>
+                        <a:ea typeface="楷体" charset="0"/>
+                      </a:endParaRPr>
+                    </a:p>
+                  </a:txBody>
+                  <a:tcPr marL="0" marR="0" marT="0" marB="0" anchor="ctr" anchorCtr="0"/>
+                </a:tc>
+                <a:tc>
+                  <a:txBody>
+                    <a:bodyPr/>
+                    <a:p>
+                      <a:pPr>
+                        <a:buNone/>
+                      </a:pPr>
+                      <a:r>
+                        <a:rPr lang="en-US" altLang="zh-CN" sz="2000" b="0">
+                          <a:latin typeface="楷体" charset="0"/>
+                          <a:ea typeface="楷体" charset="0"/>
+                        </a:rPr>
+                        <a:t>27.45</a:t>
+                      </a:r>
+                      <a:endParaRPr lang="en-US" altLang="zh-CN" sz="2000" b="0">
+                        <a:latin typeface="楷体" charset="0"/>
+                        <a:ea typeface="楷体" charset="0"/>
+                      </a:endParaRPr>
+                    </a:p>
+                  </a:txBody>
+                  <a:tcPr/>
+                </a:tc>
+              </a:tr>
+              <a:tr h="384810">
+                <a:tc>
+                  <a:txBody>
+                    <a:bodyPr/>
+                    <a:p>
+                      <a:pPr algn="l">
+                        <a:buClrTx/>
+                        <a:buSzTx/>
+                        <a:buFontTx/>
+                        <a:buNone/>
+                      </a:pPr>
+                      <a:r>
+                        <a:rPr lang="zh-CN" altLang="en-US" sz="1800" b="0">
+                          <a:latin typeface="楷体" charset="0"/>
+                          <a:ea typeface="楷体" charset="0"/>
+                          <a:cs typeface="楷体" charset="0"/>
+                        </a:rPr>
+                        <a:t>基础遗传</a:t>
+                      </a:r>
+                      <a:r>
+                        <a:rPr lang="en-US" altLang="zh-CN" sz="1800" b="0">
+                          <a:latin typeface="楷体" charset="0"/>
+                          <a:ea typeface="楷体" charset="0"/>
+                          <a:cs typeface="楷体" charset="0"/>
+                        </a:rPr>
+                        <a:t>算法</a:t>
+                      </a:r>
+                      <a:endParaRPr lang="en-US" altLang="zh-CN" sz="1800" b="0">
+                        <a:latin typeface="楷体" charset="0"/>
+                        <a:ea typeface="楷体" charset="0"/>
+                        <a:cs typeface="楷体" charset="0"/>
+                      </a:endParaRPr>
+                    </a:p>
+                  </a:txBody>
+                  <a:tcPr/>
+                </a:tc>
+                <a:tc>
+                  <a:txBody>
+                    <a:bodyPr/>
+                    <a:p>
+                      <a:pPr algn="l">
+                        <a:buClrTx/>
+                        <a:buSzTx/>
+                        <a:buFontTx/>
+                      </a:pPr>
+                      <a:r>
+                        <a:rPr lang="en-US" altLang="zh-CN" sz="2000" b="0">
+                          <a:latin typeface="楷体" charset="0"/>
+                          <a:ea typeface="楷体" charset="0"/>
+                        </a:rPr>
+                        <a:t>  64.29</a:t>
+                      </a:r>
+                      <a:endParaRPr lang="en-US" altLang="zh-CN" sz="2000" b="0">
+                        <a:latin typeface="楷体" charset="0"/>
+                        <a:ea typeface="楷体" charset="0"/>
+                      </a:endParaRPr>
+                    </a:p>
+                  </a:txBody>
+                  <a:tcPr marL="0" marR="0" marT="0" marB="0" anchor="ctr" anchorCtr="0"/>
+                </a:tc>
+                <a:tc>
+                  <a:txBody>
+                    <a:bodyPr/>
+                    <a:p>
+                      <a:pPr>
+                        <a:buNone/>
+                      </a:pPr>
+                      <a:r>
+                        <a:rPr lang="en-US" altLang="zh-CN" sz="2000" b="0">
+                          <a:latin typeface="楷体" charset="0"/>
+                          <a:ea typeface="楷体" charset="0"/>
+                        </a:rPr>
+                        <a:t>22.23</a:t>
+                      </a:r>
+                      <a:endParaRPr lang="en-US" altLang="zh-CN" sz="2000" b="0">
+                        <a:latin typeface="楷体" charset="0"/>
+                        <a:ea typeface="楷体" charset="0"/>
+                      </a:endParaRPr>
+                    </a:p>
+                  </a:txBody>
+                  <a:tcPr/>
+                </a:tc>
+              </a:tr>
+            </a:tbl>
+          </a:graphicData>
+        </a:graphic>
+      </p:graphicFrame>
+      <p:sp>
+        <p:nvSpPr>
+          <p:cNvPr id="11" name="文本框 10"/>
+          <p:cNvSpPr txBox="1"/>
+          <p:nvPr/>
+        </p:nvSpPr>
+        <p:spPr>
+          <a:xfrm>
+            <a:off x="1985645" y="3745865"/>
+            <a:ext cx="4064000" cy="368300"/>
+          </a:xfrm>
+          <a:prstGeom prst="rect">
+            <a:avLst/>
+          </a:prstGeom>
+          <a:noFill/>
+        </p:spPr>
+        <p:txBody>
+          <a:bodyPr wrap="square" rtlCol="0">
+            <a:spAutoFit/>
+          </a:bodyPr>
+          <a:p>
+            <a:r>
+              <a:rPr lang="zh-CN" altLang="en-US">
+                <a:latin typeface="楷体" charset="0"/>
+                <a:ea typeface="楷体" charset="0"/>
+              </a:rPr>
+              <a:t>均值最短路径</a:t>
+            </a:r>
+            <a:endParaRPr lang="zh-CN" altLang="en-US">
+              <a:latin typeface="楷体" charset="0"/>
+              <a:ea typeface="楷体" charset="0"/>
+            </a:endParaRPr>
+          </a:p>
+        </p:txBody>
+      </p:sp>
+      <p:sp>
+        <p:nvSpPr>
+          <p:cNvPr id="12" name="文本框 11"/>
+          <p:cNvSpPr txBox="1"/>
+          <p:nvPr/>
+        </p:nvSpPr>
+        <p:spPr>
+          <a:xfrm>
+            <a:off x="7717790" y="3745865"/>
+            <a:ext cx="4064000" cy="368300"/>
+          </a:xfrm>
+          <a:prstGeom prst="rect">
+            <a:avLst/>
+          </a:prstGeom>
+          <a:noFill/>
+        </p:spPr>
+        <p:txBody>
+          <a:bodyPr wrap="square" rtlCol="0">
+            <a:spAutoFit/>
+          </a:bodyPr>
+          <a:p>
+            <a:r>
+              <a:rPr lang="zh-CN" altLang="en-US">
+                <a:latin typeface="楷体" charset="0"/>
+                <a:ea typeface="楷体" charset="0"/>
+              </a:rPr>
+              <a:t>一定阈值</a:t>
+            </a:r>
+            <a:r>
+              <a:rPr lang="zh-CN" altLang="en-US">
+                <a:latin typeface="楷体" charset="0"/>
+                <a:ea typeface="楷体" charset="0"/>
+              </a:rPr>
+              <a:t>下最短路径</a:t>
+            </a:r>
+            <a:endParaRPr lang="zh-CN" altLang="en-US">
+              <a:latin typeface="楷体" charset="0"/>
+              <a:ea typeface="楷体" charset="0"/>
+            </a:endParaRPr>
           </a:p>
         </p:txBody>
       </p:sp>
     </p:spTree>
     <p:custDataLst>
-      <p:tags r:id="rId3"/>
+      <p:tags r:id="rId4"/>
     </p:custDataLst>
   </p:cSld>
   <p:clrMapOvr>
     <a:masterClrMapping/>
   </p:clrMapOvr>
+  <p:timing>
+    <p:tnLst>
+      <p:par>
+        <p:cTn id="1" dur="indefinite" restart="never" nodeType="tmRoot">
+          <p:childTnLst>
+            <p:seq concurrent="1" nextAc="seek">
+              <p:cTn id="2" dur="indefinite" nodeType="mainSeq">
+                <p:childTnLst>
+                  <p:par>
+                    <p:cTn id="3" fill="hold">
+                      <p:stCondLst>
+                        <p:cond delay="indefinite"/>
+                      </p:stCondLst>
+                      <p:childTnLst>
+                        <p:par>
+                          <p:cTn id="4" fill="hold">
+                            <p:stCondLst>
+                              <p:cond delay="0"/>
+                            </p:stCondLst>
+                            <p:childTnLst>
+                              <p:par>
+                                <p:cTn id="5" presetID="2" presetClass="entr" presetSubtype="4" fill="hold" nodeType="clickEffect">
+                                  <p:stCondLst>
+                                    <p:cond delay="0"/>
+                                  </p:stCondLst>
+                                  <p:childTnLst>
+                                    <p:set>
+                                      <p:cBhvr>
+                                        <p:cTn id="6" dur="1" fill="hold">
+                                          <p:stCondLst>
+                                            <p:cond delay="0"/>
+                                          </p:stCondLst>
+                                        </p:cTn>
+                                        <p:tgtEl>
+                                          <p:spTgt spid="9">
+                                            <p:txEl>
+                                              <p:pRg st="12" end="12"/>
+                                            </p:txEl>
+                                          </p:spTgt>
+                                        </p:tgtEl>
+                                        <p:attrNameLst>
+                                          <p:attrName>style.visibility</p:attrName>
+                                        </p:attrNameLst>
+                                      </p:cBhvr>
+                                      <p:to>
+                                        <p:strVal val="visible"/>
+                                      </p:to>
+                                    </p:set>
+                                    <p:anim calcmode="lin" valueType="num">
+                                      <p:cBhvr additive="base">
+                                        <p:cTn id="7" dur="500" fill="hold"/>
+                                        <p:tgtEl>
+                                          <p:spTgt spid="9">
+                                            <p:txEl>
+                                              <p:pRg st="12" end="12"/>
+                                            </p:txEl>
+                                          </p:spTgt>
+                                        </p:tgtEl>
+                                        <p:attrNameLst>
+                                          <p:attrName>ppt_x</p:attrName>
+                                        </p:attrNameLst>
+                                      </p:cBhvr>
+                                      <p:tavLst>
+                                        <p:tav tm="0">
+                                          <p:val>
+                                            <p:strVal val="#ppt_x"/>
+                                          </p:val>
+                                        </p:tav>
+                                        <p:tav tm="100000">
+                                          <p:val>
+                                            <p:strVal val="#ppt_x"/>
+                                          </p:val>
+                                        </p:tav>
+                                      </p:tavLst>
+                                    </p:anim>
+                                    <p:anim calcmode="lin" valueType="num">
+                                      <p:cBhvr additive="base">
+                                        <p:cTn id="8" dur="500" fill="hold"/>
+                                        <p:tgtEl>
+                                          <p:spTgt spid="9">
+                                            <p:txEl>
+                                              <p:pRg st="12" end="12"/>
+                                            </p:txEl>
+                                          </p:spTgt>
+                                        </p:tgtEl>
+                                        <p:attrNameLst>
+                                          <p:attrName>ppt_y</p:attrName>
+                                        </p:attrNameLst>
+                                      </p:cBhvr>
+                                      <p:tavLst>
+                                        <p:tav tm="0">
+                                          <p:val>
+                                            <p:strVal val="1+#ppt_h/2"/>
+                                          </p:val>
+                                        </p:tav>
+                                        <p:tav tm="100000">
+                                          <p:val>
+                                            <p:strVal val="#ppt_y"/>
+                                          </p:val>
+                                        </p:tav>
+                                      </p:tavLst>
+                                    </p:anim>
+                                  </p:childTnLst>
+                                </p:cTn>
+                              </p:par>
+                              <p:par>
+                                <p:cTn id="9" presetID="2" presetClass="entr" presetSubtype="4" fill="hold" nodeType="withEffect">
+                                  <p:stCondLst>
+                                    <p:cond delay="0"/>
+                                  </p:stCondLst>
+                                  <p:childTnLst>
+                                    <p:set>
+                                      <p:cBhvr>
+                                        <p:cTn id="10" dur="1" fill="hold">
+                                          <p:stCondLst>
+                                            <p:cond delay="0"/>
+                                          </p:stCondLst>
+                                        </p:cTn>
+                                        <p:tgtEl>
+                                          <p:spTgt spid="9">
+                                            <p:txEl>
+                                              <p:pRg st="14" end="14"/>
+                                            </p:txEl>
+                                          </p:spTgt>
+                                        </p:tgtEl>
+                                        <p:attrNameLst>
+                                          <p:attrName>style.visibility</p:attrName>
+                                        </p:attrNameLst>
+                                      </p:cBhvr>
+                                      <p:to>
+                                        <p:strVal val="visible"/>
+                                      </p:to>
+                                    </p:set>
+                                    <p:anim calcmode="lin" valueType="num">
+                                      <p:cBhvr additive="base">
+                                        <p:cTn id="11" dur="500" fill="hold"/>
+                                        <p:tgtEl>
+                                          <p:spTgt spid="9">
+                                            <p:txEl>
+                                              <p:pRg st="14" end="14"/>
+                                            </p:txEl>
+                                          </p:spTgt>
+                                        </p:tgtEl>
+                                        <p:attrNameLst>
+                                          <p:attrName>ppt_x</p:attrName>
+                                        </p:attrNameLst>
+                                      </p:cBhvr>
+                                      <p:tavLst>
+                                        <p:tav tm="0">
+                                          <p:val>
+                                            <p:strVal val="#ppt_x"/>
+                                          </p:val>
+                                        </p:tav>
+                                        <p:tav tm="100000">
+                                          <p:val>
+                                            <p:strVal val="#ppt_x"/>
+                                          </p:val>
+                                        </p:tav>
+                                      </p:tavLst>
+                                    </p:anim>
+                                    <p:anim calcmode="lin" valueType="num">
+                                      <p:cBhvr additive="base">
+                                        <p:cTn id="12" dur="500" fill="hold"/>
+                                        <p:tgtEl>
+                                          <p:spTgt spid="9">
+                                            <p:txEl>
+                                              <p:pRg st="14" end="14"/>
+                                            </p:txEl>
+                                          </p:spTgt>
+                                        </p:tgtEl>
+                                        <p:attrNameLst>
+                                          <p:attrName>ppt_y</p:attrName>
+                                        </p:attrNameLst>
+                                      </p:cBhvr>
+                                      <p:tavLst>
+                                        <p:tav tm="0">
+                                          <p:val>
+                                            <p:strVal val="1+#ppt_h/2"/>
+                                          </p:val>
+                                        </p:tav>
+                                        <p:tav tm="100000">
+                                          <p:val>
+                                            <p:strVal val="#ppt_y"/>
+                                          </p:val>
+                                        </p:tav>
+                                      </p:tavLst>
+                                    </p:anim>
+                                  </p:childTnLst>
+                                </p:cTn>
+                              </p:par>
+                              <p:par>
+                                <p:cTn id="13" presetID="2" presetClass="entr" presetSubtype="4" fill="hold" nodeType="withEffect">
+                                  <p:stCondLst>
+                                    <p:cond delay="0"/>
+                                  </p:stCondLst>
+                                  <p:childTnLst>
+                                    <p:set>
+                                      <p:cBhvr>
+                                        <p:cTn id="14" dur="1" fill="hold">
+                                          <p:stCondLst>
+                                            <p:cond delay="0"/>
+                                          </p:stCondLst>
+                                        </p:cTn>
+                                        <p:tgtEl>
+                                          <p:spTgt spid="9">
+                                            <p:txEl>
+                                              <p:pRg st="15" end="15"/>
+                                            </p:txEl>
+                                          </p:spTgt>
+                                        </p:tgtEl>
+                                        <p:attrNameLst>
+                                          <p:attrName>style.visibility</p:attrName>
+                                        </p:attrNameLst>
+                                      </p:cBhvr>
+                                      <p:to>
+                                        <p:strVal val="visible"/>
+                                      </p:to>
+                                    </p:set>
+                                    <p:anim calcmode="lin" valueType="num">
+                                      <p:cBhvr additive="base">
+                                        <p:cTn id="15" dur="500" fill="hold"/>
+                                        <p:tgtEl>
+                                          <p:spTgt spid="9">
+                                            <p:txEl>
+                                              <p:pRg st="15" end="15"/>
+                                            </p:txEl>
+                                          </p:spTgt>
+                                        </p:tgtEl>
+                                        <p:attrNameLst>
+                                          <p:attrName>ppt_x</p:attrName>
+                                        </p:attrNameLst>
+                                      </p:cBhvr>
+                                      <p:tavLst>
+                                        <p:tav tm="0">
+                                          <p:val>
+                                            <p:strVal val="#ppt_x"/>
+                                          </p:val>
+                                        </p:tav>
+                                        <p:tav tm="100000">
+                                          <p:val>
+                                            <p:strVal val="#ppt_x"/>
+                                          </p:val>
+                                        </p:tav>
+                                      </p:tavLst>
+                                    </p:anim>
+                                    <p:anim calcmode="lin" valueType="num">
+                                      <p:cBhvr additive="base">
+                                        <p:cTn id="16" dur="500" fill="hold"/>
+                                        <p:tgtEl>
+                                          <p:spTgt spid="9">
+                                            <p:txEl>
+                                              <p:pRg st="15" end="15"/>
+                                            </p:txEl>
+                                          </p:spTgt>
+                                        </p:tgtEl>
+                                        <p:attrNameLst>
+                                          <p:attrName>ppt_y</p:attrName>
+                                        </p:attrNameLst>
+                                      </p:cBhvr>
+                                      <p:tavLst>
+                                        <p:tav tm="0">
+                                          <p:val>
+                                            <p:strVal val="1+#ppt_h/2"/>
+                                          </p:val>
+                                        </p:tav>
+                                        <p:tav tm="100000">
+                                          <p:val>
+                                            <p:strVal val="#ppt_y"/>
+                                          </p:val>
+                                        </p:tav>
+                                      </p:tavLst>
+                                    </p:anim>
+                                  </p:childTnLst>
+                                </p:cTn>
+                              </p:par>
+                              <p:par>
+                                <p:cTn id="17" presetID="2" presetClass="entr" presetSubtype="4" fill="hold" nodeType="withEffect">
+                                  <p:stCondLst>
+                                    <p:cond delay="0"/>
+                                  </p:stCondLst>
+                                  <p:childTnLst>
+                                    <p:set>
+                                      <p:cBhvr>
+                                        <p:cTn id="18" dur="1" fill="hold">
+                                          <p:stCondLst>
+                                            <p:cond delay="0"/>
+                                          </p:stCondLst>
+                                        </p:cTn>
+                                        <p:tgtEl>
+                                          <p:spTgt spid="9">
+                                            <p:txEl>
+                                              <p:pRg st="16" end="16"/>
+                                            </p:txEl>
+                                          </p:spTgt>
+                                        </p:tgtEl>
+                                        <p:attrNameLst>
+                                          <p:attrName>style.visibility</p:attrName>
+                                        </p:attrNameLst>
+                                      </p:cBhvr>
+                                      <p:to>
+                                        <p:strVal val="visible"/>
+                                      </p:to>
+                                    </p:set>
+                                    <p:anim calcmode="lin" valueType="num">
+                                      <p:cBhvr additive="base">
+                                        <p:cTn id="19" dur="500" fill="hold"/>
+                                        <p:tgtEl>
+                                          <p:spTgt spid="9">
+                                            <p:txEl>
+                                              <p:pRg st="16" end="16"/>
+                                            </p:txEl>
+                                          </p:spTgt>
+                                        </p:tgtEl>
+                                        <p:attrNameLst>
+                                          <p:attrName>ppt_x</p:attrName>
+                                        </p:attrNameLst>
+                                      </p:cBhvr>
+                                      <p:tavLst>
+                                        <p:tav tm="0">
+                                          <p:val>
+                                            <p:strVal val="#ppt_x"/>
+                                          </p:val>
+                                        </p:tav>
+                                        <p:tav tm="100000">
+                                          <p:val>
+                                            <p:strVal val="#ppt_x"/>
+                                          </p:val>
+                                        </p:tav>
+                                      </p:tavLst>
+                                    </p:anim>
+                                    <p:anim calcmode="lin" valueType="num">
+                                      <p:cBhvr additive="base">
+                                        <p:cTn id="20" dur="500" fill="hold"/>
+                                        <p:tgtEl>
+                                          <p:spTgt spid="9">
+                                            <p:txEl>
+                                              <p:pRg st="16" end="16"/>
+                                            </p:txEl>
+                                          </p:spTgt>
+                                        </p:tgtEl>
+                                        <p:attrNameLst>
+                                          <p:attrName>ppt_y</p:attrName>
+                                        </p:attrNameLst>
+                                      </p:cBhvr>
+                                      <p:tavLst>
+                                        <p:tav tm="0">
+                                          <p:val>
+                                            <p:strVal val="1+#ppt_h/2"/>
+                                          </p:val>
+                                        </p:tav>
+                                        <p:tav tm="100000">
+                                          <p:val>
+                                            <p:strVal val="#ppt_y"/>
+                                          </p:val>
+                                        </p:tav>
+                                      </p:tavLst>
+                                    </p:anim>
+                                  </p:childTnLst>
+                                </p:cTn>
+                              </p:par>
+                            </p:childTnLst>
+                          </p:cTn>
+                        </p:par>
+                      </p:childTnLst>
+                    </p:cTn>
+                  </p:par>
+                </p:childTnLst>
+              </p:cTn>
+              <p:prevCondLst>
+                <p:cond evt="onPrev" delay="0">
+                  <p:tgtEl>
+                    <p:sldTgt/>
+                  </p:tgtEl>
+                </p:cond>
+              </p:prevCondLst>
+              <p:nextCondLst>
+                <p:cond evt="onNext" delay="0">
+                  <p:tgtEl>
+                    <p:sldTgt/>
+                  </p:tgtEl>
+                </p:cond>
+              </p:nextCondLst>
+            </p:seq>
+          </p:childTnLst>
+        </p:cTn>
+      </p:par>
+    </p:tnLst>
+  </p:timing>
 </p:sld>
 </file>
 
@@ -44390,14 +46888,108 @@
       <p:grpSpPr/>
       <p:sp>
         <p:nvSpPr>
-          <p:cNvPr id="9" name="文本框 8"/>
+          <p:cNvPr id="3" name="矩形 2"/>
+          <p:cNvSpPr/>
+          <p:nvPr/>
+        </p:nvSpPr>
+        <p:spPr>
+          <a:xfrm>
+            <a:off x="1301731" y="382933"/>
+            <a:ext cx="1402080" cy="460375"/>
+          </a:xfrm>
+          <a:prstGeom prst="rect">
+            <a:avLst/>
+          </a:prstGeom>
+        </p:spPr>
+        <p:txBody>
+          <a:bodyPr wrap="none">
+            <a:spAutoFit/>
+          </a:bodyPr>
+          <a:p>
+            <a:pPr lvl="0"/>
+            <a:r>
+              <a:rPr lang="zh-CN" altLang="en-US" sz="2400" dirty="0">
+                <a:solidFill>
+                  <a:srgbClr val="BD934E"/>
+                </a:solidFill>
+              </a:rPr>
+              <a:t>蚁群</a:t>
+            </a:r>
+            <a:r>
+              <a:rPr lang="zh-CN" altLang="en-US" sz="2400" dirty="0">
+                <a:solidFill>
+                  <a:srgbClr val="BD934E"/>
+                </a:solidFill>
+              </a:rPr>
+              <a:t>算法</a:t>
+            </a:r>
+            <a:endParaRPr lang="zh-CN" altLang="en-US" sz="2400" dirty="0">
+              <a:solidFill>
+                <a:srgbClr val="BD934E"/>
+              </a:solidFill>
+            </a:endParaRPr>
+          </a:p>
+        </p:txBody>
+      </p:sp>
+      <p:pic>
+        <p:nvPicPr>
+          <p:cNvPr id="4" name="图片 3" descr="G:\2021\校庆\PPT\logo-08.pnglogo-08"/>
+          <p:cNvPicPr>
+            <a:picLocks noChangeAspect="1"/>
+          </p:cNvPicPr>
+          <p:nvPr/>
+        </p:nvPicPr>
+        <p:blipFill>
+          <a:blip r:embed="rId1"/>
+          <a:srcRect/>
+          <a:stretch>
+            <a:fillRect/>
+          </a:stretch>
+        </p:blipFill>
+        <p:spPr>
+          <a:xfrm rot="17197349" flipH="1">
+            <a:off x="731828" y="461062"/>
+            <a:ext cx="525802" cy="484314"/>
+          </a:xfrm>
+          <a:prstGeom prst="rect">
+            <a:avLst/>
+          </a:prstGeom>
+        </p:spPr>
+      </p:pic>
+      <p:pic>
+        <p:nvPicPr>
+          <p:cNvPr id="5" name="图片 4"/>
+          <p:cNvPicPr>
+            <a:picLocks noChangeAspect="1"/>
+          </p:cNvPicPr>
+          <p:nvPr/>
+        </p:nvPicPr>
+        <p:blipFill>
+          <a:blip r:embed="rId2"/>
+          <a:stretch>
+            <a:fillRect/>
+          </a:stretch>
+        </p:blipFill>
+        <p:spPr>
+          <a:xfrm>
+            <a:off x="466090" y="1131570"/>
+            <a:ext cx="11259820" cy="3058160"/>
+          </a:xfrm>
+          <a:prstGeom prst="rect">
+            <a:avLst/>
+          </a:prstGeom>
+        </p:spPr>
+      </p:pic>
+      <p:sp>
+        <p:nvSpPr>
+          <p:cNvPr id="6" name="文本框 5"/>
           <p:cNvSpPr txBox="1"/>
           <p:nvPr/>
         </p:nvSpPr>
         <p:spPr>
           <a:xfrm>
-            <a:off x="219710" y="5103495"/>
-            <a:ext cx="5419725" cy="368300"/>
+            <a:off x="1076960" y="4478020"/>
+            <a:ext cx="4064000" cy="1630045"/>
           </a:xfrm>
           <a:prstGeom prst="rect">
             <a:avLst/>
@@ -44414,233 +47006,230 @@
               <a:buChar char="•"/>
             </a:pPr>
             <a:r>
-              <a:rPr lang="zh-CN" altLang="en-US"/>
-              <a:t>由于</a:t>
+              <a:rPr lang="zh-CN" altLang="en-US" sz="2000">
+                <a:latin typeface="楷体" charset="0"/>
+                <a:ea typeface="楷体" charset="0"/>
+                <a:cs typeface="楷体" charset="0"/>
+              </a:rPr>
+              <a:t>随机</a:t>
             </a:r>
             <a:r>
-              <a:rPr lang="zh-CN" altLang="en-US"/>
-              <a:t>程序运行时间较长仅运行了一部分</a:t>
+              <a:rPr lang="en-US" altLang="zh-CN" sz="2000">
+                <a:latin typeface="楷体" charset="0"/>
+                <a:ea typeface="楷体" charset="0"/>
+                <a:cs typeface="楷体" charset="0"/>
+              </a:rPr>
+              <a:t>A*</a:t>
             </a:r>
             <a:r>
-              <a:rPr lang="zh-CN" altLang="en-US"/>
-              <a:t>参数</a:t>
+              <a:rPr lang="zh-CN" altLang="en-US" sz="2000">
+                <a:latin typeface="楷体" charset="0"/>
+                <a:ea typeface="楷体" charset="0"/>
+                <a:cs typeface="楷体" charset="0"/>
+              </a:rPr>
+              <a:t>算法</a:t>
             </a:r>
-            <a:endParaRPr lang="zh-CN" altLang="en-US"/>
+            <a:endParaRPr lang="zh-CN" altLang="en-US" sz="2000">
+              <a:latin typeface="楷体" charset="0"/>
+              <a:ea typeface="楷体" charset="0"/>
+              <a:cs typeface="楷体" charset="0"/>
+            </a:endParaRPr>
           </a:p>
-        </p:txBody>
-      </p:sp>
-      <p:pic>
-        <p:nvPicPr>
-          <p:cNvPr id="6" name="图片 5"/>
-          <p:cNvPicPr/>
-          <p:nvPr/>
-        </p:nvPicPr>
-        <p:blipFill>
-          <a:blip r:embed="rId1"/>
-          <a:stretch>
-            <a:fillRect/>
-          </a:stretch>
-        </p:blipFill>
-        <p:spPr>
-          <a:xfrm>
-            <a:off x="219710" y="323215"/>
-            <a:ext cx="6492875" cy="4174490"/>
-          </a:xfrm>
-          <a:prstGeom prst="rect">
-            <a:avLst/>
-          </a:prstGeom>
-        </p:spPr>
-      </p:pic>
-      <p:pic>
-        <p:nvPicPr>
-          <p:cNvPr id="7" name="图片 6"/>
-          <p:cNvPicPr/>
-          <p:nvPr/>
-        </p:nvPicPr>
-        <p:blipFill>
-          <a:blip r:embed="rId2"/>
-          <a:srcRect t="33125"/>
-          <a:stretch>
-            <a:fillRect/>
-          </a:stretch>
-        </p:blipFill>
-        <p:spPr>
-          <a:xfrm>
-            <a:off x="5723890" y="1205230"/>
-            <a:ext cx="5971540" cy="452755"/>
-          </a:xfrm>
-          <a:prstGeom prst="rect">
-            <a:avLst/>
-          </a:prstGeom>
-        </p:spPr>
-      </p:pic>
-      <p:pic>
-        <p:nvPicPr>
-          <p:cNvPr id="8" name="图片 7"/>
-          <p:cNvPicPr/>
-          <p:nvPr/>
-        </p:nvPicPr>
-        <p:blipFill>
-          <a:blip r:embed="rId3"/>
-          <a:stretch>
-            <a:fillRect/>
-          </a:stretch>
-        </p:blipFill>
-        <p:spPr>
-          <a:xfrm>
-            <a:off x="5639435" y="2508250"/>
-            <a:ext cx="7193280" cy="356235"/>
-          </a:xfrm>
-          <a:prstGeom prst="rect">
-            <a:avLst/>
-          </a:prstGeom>
-        </p:spPr>
-      </p:pic>
-      <p:pic>
-        <p:nvPicPr>
-          <p:cNvPr id="10" name="图片 9"/>
-          <p:cNvPicPr/>
-          <p:nvPr/>
-        </p:nvPicPr>
-        <p:blipFill>
-          <a:blip r:embed="rId4"/>
-          <a:stretch>
-            <a:fillRect/>
-          </a:stretch>
-        </p:blipFill>
-        <p:spPr>
-          <a:xfrm>
-            <a:off x="5530215" y="4079240"/>
-            <a:ext cx="6577330" cy="260985"/>
-          </a:xfrm>
-          <a:prstGeom prst="rect">
-            <a:avLst/>
-          </a:prstGeom>
-        </p:spPr>
-      </p:pic>
-      <p:sp>
-        <p:nvSpPr>
-          <p:cNvPr id="11" name="文本框 10"/>
-          <p:cNvSpPr txBox="1"/>
-          <p:nvPr/>
-        </p:nvSpPr>
-        <p:spPr>
-          <a:xfrm>
-            <a:off x="5639435" y="726440"/>
-            <a:ext cx="5419725" cy="368300"/>
-          </a:xfrm>
-          <a:prstGeom prst="rect">
-            <a:avLst/>
-          </a:prstGeom>
-          <a:noFill/>
-        </p:spPr>
-        <p:txBody>
-          <a:bodyPr wrap="square" rtlCol="0">
-            <a:spAutoFit/>
-          </a:bodyPr>
+          <a:p>
+            <a:pPr marL="285750" indent="-285750">
+              <a:buFont typeface="Arial" panose="020B0704020202020204" pitchFamily="34" charset="0"/>
+              <a:buChar char="•"/>
+            </a:pPr>
+            <a:endParaRPr lang="zh-CN" altLang="en-US" sz="2000">
+              <a:latin typeface="楷体" charset="0"/>
+              <a:ea typeface="楷体" charset="0"/>
+              <a:cs typeface="楷体" charset="0"/>
+            </a:endParaRPr>
+          </a:p>
           <a:p>
             <a:pPr marL="285750" indent="-285750">
               <a:buFont typeface="Arial" panose="020B0704020202020204" pitchFamily="34" charset="0"/>
               <a:buChar char="•"/>
             </a:pPr>
             <a:r>
-              <a:rPr lang="zh-CN" altLang="en-US"/>
-              <a:t>期望长度路径最小化结果与论文结果较</a:t>
+              <a:rPr lang="zh-CN" altLang="en-US" sz="2000">
+                <a:latin typeface="楷体" charset="0"/>
+                <a:ea typeface="楷体" charset="0"/>
+                <a:cs typeface="楷体" charset="0"/>
+              </a:rPr>
+              <a:t>强化学习</a:t>
             </a:r>
-            <a:r>
-              <a:rPr lang="zh-CN" altLang="en-US"/>
-              <a:t>一致</a:t>
-            </a:r>
-            <a:endParaRPr lang="zh-CN" altLang="en-US"/>
+            <a:endParaRPr lang="zh-CN" altLang="en-US" sz="2000">
+              <a:latin typeface="楷体" charset="0"/>
+              <a:ea typeface="楷体" charset="0"/>
+              <a:cs typeface="楷体" charset="0"/>
+            </a:endParaRPr>
           </a:p>
-        </p:txBody>
-      </p:sp>
-      <p:sp>
-        <p:nvSpPr>
-          <p:cNvPr id="12" name="文本框 11"/>
-          <p:cNvSpPr txBox="1"/>
-          <p:nvPr/>
-        </p:nvSpPr>
-        <p:spPr>
-          <a:xfrm>
-            <a:off x="5723890" y="1898650"/>
-            <a:ext cx="5419725" cy="645160"/>
-          </a:xfrm>
-          <a:prstGeom prst="rect">
-            <a:avLst/>
-          </a:prstGeom>
-          <a:noFill/>
-        </p:spPr>
-        <p:txBody>
-          <a:bodyPr wrap="square" rtlCol="0">
-            <a:spAutoFit/>
-          </a:bodyPr>
           <a:p>
             <a:pPr marL="285750" indent="-285750">
               <a:buFont typeface="Arial" panose="020B0704020202020204" pitchFamily="34" charset="0"/>
               <a:buChar char="•"/>
             </a:pPr>
-            <a:r>
-              <a:rPr lang="zh-CN" altLang="en-US"/>
-              <a:t>给定阈值下概率最大路径结果与论文结果有较大</a:t>
-            </a:r>
-            <a:r>
-              <a:rPr lang="zh-CN" altLang="en-US"/>
-              <a:t>出入</a:t>
-            </a:r>
-            <a:endParaRPr lang="zh-CN" altLang="en-US"/>
+            <a:endParaRPr lang="en-US" altLang="zh-CN" sz="2000">
+              <a:latin typeface="楷体" charset="0"/>
+              <a:ea typeface="楷体" charset="0"/>
+              <a:cs typeface="楷体" charset="0"/>
+            </a:endParaRPr>
           </a:p>
-        </p:txBody>
-      </p:sp>
-      <p:sp>
-        <p:nvSpPr>
-          <p:cNvPr id="13" name="文本框 12"/>
-          <p:cNvSpPr txBox="1"/>
-          <p:nvPr/>
-        </p:nvSpPr>
-        <p:spPr>
-          <a:xfrm>
-            <a:off x="5850890" y="3260725"/>
-            <a:ext cx="5419725" cy="645160"/>
-          </a:xfrm>
-          <a:prstGeom prst="rect">
-            <a:avLst/>
-          </a:prstGeom>
-          <a:noFill/>
-        </p:spPr>
-        <p:txBody>
-          <a:bodyPr wrap="square" rtlCol="0">
-            <a:spAutoFit/>
-          </a:bodyPr>
           <a:p>
-            <a:pPr marL="285750" indent="-285750">
+            <a:pPr indent="0">
               <a:buFont typeface="Arial" panose="020B0704020202020204" pitchFamily="34" charset="0"/>
-              <a:buChar char="•"/>
+              <a:buNone/>
             </a:pPr>
             <a:r>
-              <a:rPr lang="zh-CN" altLang="en-US"/>
-              <a:t>一定置信水平下路径</a:t>
+              <a:rPr lang="en-US" altLang="zh-CN" sz="2000">
+                <a:latin typeface="楷体" charset="0"/>
+                <a:ea typeface="楷体" charset="0"/>
+                <a:cs typeface="楷体" charset="0"/>
+              </a:rPr>
+              <a:t>...</a:t>
             </a:r>
-            <a:r>
-              <a:rPr lang="zh-CN" altLang="en-US"/>
-              <a:t>最短结果与论文结果有较大</a:t>
-            </a:r>
-            <a:r>
-              <a:rPr lang="zh-CN" altLang="en-US"/>
-              <a:t>出入</a:t>
-            </a:r>
-            <a:endParaRPr lang="zh-CN" altLang="en-US"/>
+            <a:endParaRPr lang="en-US" altLang="zh-CN" sz="2000">
+              <a:latin typeface="楷体" charset="0"/>
+              <a:ea typeface="楷体" charset="0"/>
+              <a:cs typeface="楷体" charset="0"/>
+            </a:endParaRPr>
           </a:p>
         </p:txBody>
       </p:sp>
     </p:spTree>
     <p:custDataLst>
-      <p:tags r:id="rId5"/>
+      <p:tags r:id="rId3"/>
     </p:custDataLst>
   </p:cSld>
   <p:clrMapOvr>
     <a:masterClrMapping/>
   </p:clrMapOvr>
+  <p:timing>
+    <p:tnLst>
+      <p:par>
+        <p:cTn id="1" dur="indefinite" restart="never" nodeType="tmRoot">
+          <p:childTnLst>
+            <p:seq concurrent="1" nextAc="seek">
+              <p:cTn id="2" dur="indefinite" nodeType="mainSeq">
+                <p:childTnLst>
+                  <p:par>
+                    <p:cTn id="3" fill="hold">
+                      <p:stCondLst>
+                        <p:cond delay="indefinite"/>
+                      </p:stCondLst>
+                      <p:childTnLst>
+                        <p:par>
+                          <p:cTn id="4" fill="hold">
+                            <p:stCondLst>
+                              <p:cond delay="0"/>
+                            </p:stCondLst>
+                            <p:childTnLst>
+                              <p:par>
+                                <p:cTn id="5" presetID="2" presetClass="entr" presetSubtype="4" fill="hold" grpId="0" nodeType="clickEffect">
+                                  <p:stCondLst>
+                                    <p:cond delay="0"/>
+                                  </p:stCondLst>
+                                  <p:childTnLst>
+                                    <p:set>
+                                      <p:cBhvr>
+                                        <p:cTn id="6" dur="1" fill="hold">
+                                          <p:stCondLst>
+                                            <p:cond delay="0"/>
+                                          </p:stCondLst>
+                                        </p:cTn>
+                                        <p:tgtEl>
+                                          <p:spTgt spid="6"/>
+                                        </p:tgtEl>
+                                        <p:attrNameLst>
+                                          <p:attrName>style.visibility</p:attrName>
+                                        </p:attrNameLst>
+                                      </p:cBhvr>
+                                      <p:to>
+                                        <p:strVal val="visible"/>
+                                      </p:to>
+                                    </p:set>
+                                    <p:anim calcmode="lin" valueType="num">
+                                      <p:cBhvr additive="base">
+                                        <p:cTn id="7" dur="500" fill="hold"/>
+                                        <p:tgtEl>
+                                          <p:spTgt spid="6"/>
+                                        </p:tgtEl>
+                                        <p:attrNameLst>
+                                          <p:attrName>ppt_x</p:attrName>
+                                        </p:attrNameLst>
+                                      </p:cBhvr>
+                                      <p:tavLst>
+                                        <p:tav tm="0">
+                                          <p:val>
+                                            <p:strVal val="#ppt_x"/>
+                                          </p:val>
+                                        </p:tav>
+                                        <p:tav tm="100000">
+                                          <p:val>
+                                            <p:strVal val="#ppt_x"/>
+                                          </p:val>
+                                        </p:tav>
+                                      </p:tavLst>
+                                    </p:anim>
+                                    <p:anim calcmode="lin" valueType="num">
+                                      <p:cBhvr additive="base">
+                                        <p:cTn id="8" dur="500" fill="hold"/>
+                                        <p:tgtEl>
+                                          <p:spTgt spid="6"/>
+                                        </p:tgtEl>
+                                        <p:attrNameLst>
+                                          <p:attrName>ppt_y</p:attrName>
+                                        </p:attrNameLst>
+                                      </p:cBhvr>
+                                      <p:tavLst>
+                                        <p:tav tm="0">
+                                          <p:val>
+                                            <p:strVal val="1+#ppt_h/2"/>
+                                          </p:val>
+                                        </p:tav>
+                                        <p:tav tm="100000">
+                                          <p:val>
+                                            <p:strVal val="#ppt_y"/>
+                                          </p:val>
+                                        </p:tav>
+                                      </p:tavLst>
+                                    </p:anim>
+                                  </p:childTnLst>
+                                </p:cTn>
+                              </p:par>
+                            </p:childTnLst>
+                          </p:cTn>
+                        </p:par>
+                      </p:childTnLst>
+                    </p:cTn>
+                  </p:par>
+                </p:childTnLst>
+              </p:cTn>
+              <p:prevCondLst>
+                <p:cond evt="onPrev" delay="0">
+                  <p:tgtEl>
+                    <p:sldTgt/>
+                  </p:tgtEl>
+                </p:cond>
+              </p:prevCondLst>
+              <p:nextCondLst>
+                <p:cond evt="onNext" delay="0">
+                  <p:tgtEl>
+                    <p:sldTgt/>
+                  </p:tgtEl>
+                </p:cond>
+              </p:nextCondLst>
+            </p:seq>
+          </p:childTnLst>
+        </p:cTn>
+      </p:par>
+    </p:tnLst>
+    <p:bldLst>
+      <p:bldP spid="6" grpId="0"/>
+      <p:bldP spid="6" grpId="1"/>
+    </p:bldLst>
+  </p:timing>
 </p:sld>
 </file>
 
@@ -45597,22 +48186,9 @@
 
 <file path=ppt/tags/tag58.xml><?xml version="1.0" encoding="utf-8"?>
 <p:tagLst xmlns:p="http://schemas.openxmlformats.org/presentationml/2006/main">
-  <p:tag name="KSO_WM_SLIDE_ID" val="custom20205081_1"/>
-  <p:tag name="KSO_WM_TEMPLATE_SUBCATEGORY" val="19"/>
-  <p:tag name="KSO_WM_TEMPLATE_MASTER_TYPE" val="0"/>
-  <p:tag name="KSO_WM_TEMPLATE_COLOR_TYPE" val="1"/>
-  <p:tag name="KSO_WM_SLIDE_TYPE" val="title"/>
-  <p:tag name="KSO_WM_SLIDE_SUBTYPE" val="defaultBlank"/>
-  <p:tag name="KSO_WM_SLIDE_ITEM_CNT" val="0"/>
-  <p:tag name="KSO_WM_SLIDE_INDEX" val="1"/>
-  <p:tag name="KSO_WM_TAG_VERSION" val="1.0"/>
   <p:tag name="KSO_WM_BEAUTIFY_FLAG" val="#wm#"/>
   <p:tag name="KSO_WM_TEMPLATE_CATEGORY" val="custom"/>
   <p:tag name="KSO_WM_TEMPLATE_INDEX" val="20205081"/>
-  <p:tag name="KSO_WM_SLIDE_LAYOUT" val="a_b"/>
-  <p:tag name="KSO_WM_SLIDE_LAYOUT_CNT" val="1_1"/>
-  <p:tag name="KSO_WM_UNIT_SHOW_EDIT_AREA_INDICATION" val="1"/>
-  <p:tag name="KSO_WM_TEMPLATE_THUMBS_INDEX" val="1、4、7、12、13、14、15、16、17、18、20、24、25、28、33、36、40、43、44"/>
 </p:tagLst>
 </file>
 
@@ -45655,13 +48231,19 @@
 
 <file path=ppt/tags/tag62.xml><?xml version="1.0" encoding="utf-8"?>
 <p:tagLst xmlns:p="http://schemas.openxmlformats.org/presentationml/2006/main">
-  <p:tag name="KSO_WM_BEAUTIFY_FLAG" val="#wm#"/>
-  <p:tag name="KSO_WM_TEMPLATE_CATEGORY" val="custom"/>
-  <p:tag name="KSO_WM_TEMPLATE_INDEX" val="20205081"/>
+  <p:tag name="TABLE_ENDDRAG_ORIGIN_RECT" val="413*91"/>
+  <p:tag name="TABLE_ENDDRAG_RECT" val="66*224*413*91"/>
 </p:tagLst>
 </file>
 
 <file path=ppt/tags/tag63.xml><?xml version="1.0" encoding="utf-8"?>
+<p:tagLst xmlns:p="http://schemas.openxmlformats.org/presentationml/2006/main">
+  <p:tag name="TABLE_ENDDRAG_ORIGIN_RECT" val="406*91"/>
+  <p:tag name="TABLE_ENDDRAG_RECT" val="539*224*406*91"/>
+</p:tagLst>
+</file>
+
+<file path=ppt/tags/tag64.xml><?xml version="1.0" encoding="utf-8"?>
 <p:tagLst xmlns:p="http://schemas.openxmlformats.org/presentationml/2006/main">
   <p:tag name="KSO_WM_BEAUTIFY_FLAG" val="#wm#"/>
   <p:tag name="KSO_WM_TEMPLATE_CATEGORY" val="custom"/>
@@ -45669,7 +48251,15 @@
 </p:tagLst>
 </file>
 
-<file path=ppt/tags/tag64.xml><?xml version="1.0" encoding="utf-8"?>
+<file path=ppt/tags/tag65.xml><?xml version="1.0" encoding="utf-8"?>
+<p:tagLst xmlns:p="http://schemas.openxmlformats.org/presentationml/2006/main">
+  <p:tag name="KSO_WM_BEAUTIFY_FLAG" val="#wm#"/>
+  <p:tag name="KSO_WM_TEMPLATE_CATEGORY" val="custom"/>
+  <p:tag name="KSO_WM_TEMPLATE_INDEX" val="20205081"/>
+</p:tagLst>
+</file>
+
+<file path=ppt/tags/tag66.xml><?xml version="1.0" encoding="utf-8"?>
 <p:tagLst xmlns:p="http://schemas.openxmlformats.org/presentationml/2006/main">
   <p:tag name="KSO_WM_SLIDE_ID" val="custom20205081_1"/>
   <p:tag name="KSO_WM_TEMPLATE_SUBCATEGORY" val="19"/>
